--- a/documents/Presentation.pptx
+++ b/documents/Presentation.pptx
@@ -5,15 +5,16 @@
     <p:sldMasterId id="2147483648" r:id="rId4"/>
   </p:sldMasterIdLst>
   <p:notesMasterIdLst>
-    <p:notesMasterId r:id="rId11"/>
+    <p:notesMasterId r:id="rId12"/>
   </p:notesMasterIdLst>
   <p:sldIdLst>
     <p:sldId id="256" r:id="rId5"/>
     <p:sldId id="257" r:id="rId6"/>
     <p:sldId id="259" r:id="rId7"/>
-    <p:sldId id="261" r:id="rId8"/>
-    <p:sldId id="262" r:id="rId9"/>
-    <p:sldId id="260" r:id="rId10"/>
+    <p:sldId id="263" r:id="rId8"/>
+    <p:sldId id="261" r:id="rId9"/>
+    <p:sldId id="262" r:id="rId10"/>
+    <p:sldId id="260" r:id="rId11"/>
   </p:sldIdLst>
   <p:sldSz cx="12192000" cy="6858000"/>
   <p:notesSz cx="6858000" cy="9144000"/>
@@ -134,8 +135,7 @@
 <file path=ppt/revisionInfo.xml><?xml version="1.0" encoding="utf-8"?>
 <p1510:revInfo xmlns:a="http://schemas.openxmlformats.org/drawingml/2006/main" xmlns:r="http://schemas.openxmlformats.org/officeDocument/2006/relationships" xmlns:p1510="http://schemas.microsoft.com/office/powerpoint/2015/10/main">
   <p1510:revLst>
-    <p1510:client id="{8EBA0A49-2C2E-4330-A7A5-220033343E19}" v="3" dt="2024-02-17T17:56:06.046"/>
-    <p1510:client id="{FDF801EA-1082-4452-BD81-6777D7A4E3C1}" v="29" dt="2024-02-17T12:37:04.630"/>
+    <p1510:client id="{35054F2D-A2BE-87B4-E015-5FF3774B6881}" v="138" dt="2024-02-22T12:02:35.703"/>
   </p1510:revLst>
 </p1510:revInfo>
 </file>
@@ -222,7 +222,7 @@
           <a:p>
             <a:fld id="{5CDD9887-4018-4CE9-92A7-33138C7EC0FB}" type="datetimeFigureOut">
               <a:rPr lang="en-US" smtClean="0"/>
-              <a:t>2/18/2024</a:t>
+              <a:t>2/23/2024</a:t>
             </a:fld>
             <a:endParaRPr lang="en-US"/>
           </a:p>
@@ -636,7 +636,7 @@
           <a:p>
             <a:fld id="{79398311-4AB7-4FB7-92A8-A52E1A8EF309}" type="datetimeFigureOut">
               <a:rPr lang="en-US" smtClean="0"/>
-              <a:t>2/18/2024</a:t>
+              <a:t>2/23/2024</a:t>
             </a:fld>
             <a:endParaRPr lang="en-US"/>
           </a:p>
@@ -834,7 +834,7 @@
           <a:p>
             <a:fld id="{79398311-4AB7-4FB7-92A8-A52E1A8EF309}" type="datetimeFigureOut">
               <a:rPr lang="en-US" smtClean="0"/>
-              <a:t>2/18/2024</a:t>
+              <a:t>2/23/2024</a:t>
             </a:fld>
             <a:endParaRPr lang="en-US"/>
           </a:p>
@@ -1042,7 +1042,7 @@
           <a:p>
             <a:fld id="{79398311-4AB7-4FB7-92A8-A52E1A8EF309}" type="datetimeFigureOut">
               <a:rPr lang="en-US" smtClean="0"/>
-              <a:t>2/18/2024</a:t>
+              <a:t>2/23/2024</a:t>
             </a:fld>
             <a:endParaRPr lang="en-US"/>
           </a:p>
@@ -1240,7 +1240,7 @@
           <a:p>
             <a:fld id="{79398311-4AB7-4FB7-92A8-A52E1A8EF309}" type="datetimeFigureOut">
               <a:rPr lang="en-US" smtClean="0"/>
-              <a:t>2/18/2024</a:t>
+              <a:t>2/23/2024</a:t>
             </a:fld>
             <a:endParaRPr lang="en-US"/>
           </a:p>
@@ -1515,7 +1515,7 @@
           <a:p>
             <a:fld id="{79398311-4AB7-4FB7-92A8-A52E1A8EF309}" type="datetimeFigureOut">
               <a:rPr lang="en-US" smtClean="0"/>
-              <a:t>2/18/2024</a:t>
+              <a:t>2/23/2024</a:t>
             </a:fld>
             <a:endParaRPr lang="en-US"/>
           </a:p>
@@ -1780,7 +1780,7 @@
           <a:p>
             <a:fld id="{79398311-4AB7-4FB7-92A8-A52E1A8EF309}" type="datetimeFigureOut">
               <a:rPr lang="en-US" smtClean="0"/>
-              <a:t>2/18/2024</a:t>
+              <a:t>2/23/2024</a:t>
             </a:fld>
             <a:endParaRPr lang="en-US"/>
           </a:p>
@@ -2192,7 +2192,7 @@
           <a:p>
             <a:fld id="{79398311-4AB7-4FB7-92A8-A52E1A8EF309}" type="datetimeFigureOut">
               <a:rPr lang="en-US" smtClean="0"/>
-              <a:t>2/18/2024</a:t>
+              <a:t>2/23/2024</a:t>
             </a:fld>
             <a:endParaRPr lang="en-US"/>
           </a:p>
@@ -2333,7 +2333,7 @@
           <a:p>
             <a:fld id="{79398311-4AB7-4FB7-92A8-A52E1A8EF309}" type="datetimeFigureOut">
               <a:rPr lang="en-US" smtClean="0"/>
-              <a:t>2/18/2024</a:t>
+              <a:t>2/23/2024</a:t>
             </a:fld>
             <a:endParaRPr lang="en-US"/>
           </a:p>
@@ -2446,7 +2446,7 @@
           <a:p>
             <a:fld id="{79398311-4AB7-4FB7-92A8-A52E1A8EF309}" type="datetimeFigureOut">
               <a:rPr lang="en-US" smtClean="0"/>
-              <a:t>2/18/2024</a:t>
+              <a:t>2/23/2024</a:t>
             </a:fld>
             <a:endParaRPr lang="en-US"/>
           </a:p>
@@ -2757,7 +2757,7 @@
           <a:p>
             <a:fld id="{79398311-4AB7-4FB7-92A8-A52E1A8EF309}" type="datetimeFigureOut">
               <a:rPr lang="en-US" smtClean="0"/>
-              <a:t>2/18/2024</a:t>
+              <a:t>2/23/2024</a:t>
             </a:fld>
             <a:endParaRPr lang="en-US"/>
           </a:p>
@@ -3045,7 +3045,7 @@
           <a:p>
             <a:fld id="{79398311-4AB7-4FB7-92A8-A52E1A8EF309}" type="datetimeFigureOut">
               <a:rPr lang="en-US" smtClean="0"/>
-              <a:t>2/18/2024</a:t>
+              <a:t>2/23/2024</a:t>
             </a:fld>
             <a:endParaRPr lang="en-US"/>
           </a:p>
@@ -3286,7 +3286,7 @@
           <a:p>
             <a:fld id="{79398311-4AB7-4FB7-92A8-A52E1A8EF309}" type="datetimeFigureOut">
               <a:rPr lang="en-US" smtClean="0"/>
-              <a:t>2/18/2024</a:t>
+              <a:t>2/23/2024</a:t>
             </a:fld>
             <a:endParaRPr lang="en-US"/>
           </a:p>
@@ -5171,36 +5171,6 @@
           </a:p>
         </p:txBody>
       </p:sp>
-      <p:pic>
-        <p:nvPicPr>
-          <p:cNvPr id="2" name="Picture 1">
-            <a:extLst>
-              <a:ext uri="{FF2B5EF4-FFF2-40B4-BE49-F238E27FC236}">
-                <a16:creationId xmlns:a16="http://schemas.microsoft.com/office/drawing/2014/main" id="{E7D3755F-DCFB-9D78-4516-76D5802BA090}"/>
-              </a:ext>
-            </a:extLst>
-          </p:cNvPr>
-          <p:cNvPicPr>
-            <a:picLocks noChangeAspect="1"/>
-          </p:cNvPicPr>
-          <p:nvPr/>
-        </p:nvPicPr>
-        <p:blipFill>
-          <a:blip r:embed="rId28"/>
-          <a:stretch>
-            <a:fillRect/>
-          </a:stretch>
-        </p:blipFill>
-        <p:spPr>
-          <a:xfrm>
-            <a:off x="4737583" y="-4383680"/>
-            <a:ext cx="3619962" cy="4007500"/>
-          </a:xfrm>
-          <a:prstGeom prst="rect">
-            <a:avLst/>
-          </a:prstGeom>
-        </p:spPr>
-      </p:pic>
     </p:spTree>
     <p:extLst>
       <p:ext uri="{BB962C8B-B14F-4D97-AF65-F5344CB8AC3E}">
@@ -6874,36 +6844,6 @@
           <a:xfrm>
             <a:off x="8440750" y="2470544"/>
             <a:ext cx="1923280" cy="1923280"/>
-          </a:xfrm>
-          <a:prstGeom prst="rect">
-            <a:avLst/>
-          </a:prstGeom>
-        </p:spPr>
-      </p:pic>
-      <p:pic>
-        <p:nvPicPr>
-          <p:cNvPr id="2" name="Picture 1">
-            <a:extLst>
-              <a:ext uri="{FF2B5EF4-FFF2-40B4-BE49-F238E27FC236}">
-                <a16:creationId xmlns:a16="http://schemas.microsoft.com/office/drawing/2014/main" id="{4D292968-58A5-F92B-BD60-0BD72219DF05}"/>
-              </a:ext>
-            </a:extLst>
-          </p:cNvPr>
-          <p:cNvPicPr>
-            <a:picLocks noChangeAspect="1"/>
-          </p:cNvPicPr>
-          <p:nvPr/>
-        </p:nvPicPr>
-        <p:blipFill>
-          <a:blip r:embed="rId29"/>
-          <a:stretch>
-            <a:fillRect/>
-          </a:stretch>
-        </p:blipFill>
-        <p:spPr>
-          <a:xfrm>
-            <a:off x="4737583" y="-4383680"/>
-            <a:ext cx="3619962" cy="4007500"/>
           </a:xfrm>
           <a:prstGeom prst="rect">
             <a:avLst/>
@@ -8651,36 +8591,6 @@
           </a:extLst>
         </p:spPr>
       </p:pic>
-      <p:pic>
-        <p:nvPicPr>
-          <p:cNvPr id="5" name="Picture 4">
-            <a:extLst>
-              <a:ext uri="{FF2B5EF4-FFF2-40B4-BE49-F238E27FC236}">
-                <a16:creationId xmlns:a16="http://schemas.microsoft.com/office/drawing/2014/main" id="{89EC6160-F3F7-0906-09BC-E3F7038EF72F}"/>
-              </a:ext>
-            </a:extLst>
-          </p:cNvPr>
-          <p:cNvPicPr>
-            <a:picLocks noChangeAspect="1"/>
-          </p:cNvPicPr>
-          <p:nvPr/>
-        </p:nvPicPr>
-        <p:blipFill>
-          <a:blip r:embed="rId32"/>
-          <a:stretch>
-            <a:fillRect/>
-          </a:stretch>
-        </p:blipFill>
-        <p:spPr>
-          <a:xfrm>
-            <a:off x="4737583" y="-4383680"/>
-            <a:ext cx="3619962" cy="4007500"/>
-          </a:xfrm>
-          <a:prstGeom prst="rect">
-            <a:avLst/>
-          </a:prstGeom>
-        </p:spPr>
-      </p:pic>
     </p:spTree>
     <p:extLst>
       <p:ext uri="{BB962C8B-B14F-4D97-AF65-F5344CB8AC3E}">
@@ -8737,48 +8647,6 @@
           <a:chExt cx="0" cy="0"/>
         </a:xfrm>
       </p:grpSpPr>
-      <p:sp>
-        <p:nvSpPr>
-          <p:cNvPr id="2" name="Title 1">
-            <a:extLst>
-              <a:ext uri="{FF2B5EF4-FFF2-40B4-BE49-F238E27FC236}">
-                <a16:creationId xmlns:a16="http://schemas.microsoft.com/office/drawing/2014/main" id="{D8E143BA-C475-8482-6BD5-AB5D31F45B0F}"/>
-              </a:ext>
-            </a:extLst>
-          </p:cNvPr>
-          <p:cNvSpPr>
-            <a:spLocks noGrp="1"/>
-          </p:cNvSpPr>
-          <p:nvPr>
-            <p:ph type="ctrTitle"/>
-          </p:nvPr>
-        </p:nvSpPr>
-        <p:spPr>
-          <a:xfrm>
-            <a:off x="2715639" y="378267"/>
-            <a:ext cx="8153448" cy="966668"/>
-          </a:xfrm>
-        </p:spPr>
-        <p:txBody>
-          <a:bodyPr>
-            <a:normAutofit fontScale="90000"/>
-          </a:bodyPr>
-          <a:lstStyle/>
-          <a:p>
-            <a:r>
-              <a:rPr lang="bg-BG" dirty="0">
-                <a:latin typeface="Helvetica" panose="020B0604020202020204" pitchFamily="34" charset="0"/>
-                <a:cs typeface="Helvetica" panose="020B0604020202020204" pitchFamily="34" charset="0"/>
-              </a:rPr>
-              <a:t>Използвани технологии</a:t>
-            </a:r>
-            <a:endParaRPr lang="en-US" dirty="0">
-              <a:latin typeface="Helvetica" panose="020B0604020202020204" pitchFamily="34" charset="0"/>
-              <a:cs typeface="Helvetica" panose="020B0604020202020204" pitchFamily="34" charset="0"/>
-            </a:endParaRPr>
-          </a:p>
-        </p:txBody>
-      </p:sp>
       <p:sp>
         <p:nvSpPr>
           <p:cNvPr id="3" name="Freeform: Shape 2">
@@ -10164,292 +10032,10 @@
       </p:pic>
       <p:pic>
         <p:nvPicPr>
-          <p:cNvPr id="3076" name="Picture 4" descr="Git - Logo Downloads">
-            <a:extLst>
-              <a:ext uri="{FF2B5EF4-FFF2-40B4-BE49-F238E27FC236}">
-                <a16:creationId xmlns:a16="http://schemas.microsoft.com/office/drawing/2014/main" id="{8D40F105-EE7C-2DF5-081C-1AAC13A93AB4}"/>
-              </a:ext>
-            </a:extLst>
-          </p:cNvPr>
-          <p:cNvPicPr>
-            <a:picLocks noChangeAspect="1" noChangeArrowheads="1"/>
-          </p:cNvPicPr>
-          <p:nvPr/>
-        </p:nvPicPr>
-        <p:blipFill>
-          <a:blip r:embed="rId27">
-            <a:extLst>
-              <a:ext uri="{28A0092B-C50C-407E-A947-70E740481C1C}">
-                <a14:useLocalDpi xmlns:a14="http://schemas.microsoft.com/office/drawing/2010/main" val="0"/>
-              </a:ext>
-            </a:extLst>
-          </a:blip>
-          <a:srcRect/>
-          <a:stretch>
-            <a:fillRect/>
-          </a:stretch>
-        </p:blipFill>
-        <p:spPr bwMode="auto">
-          <a:xfrm>
-            <a:off x="1923425" y="1638777"/>
-            <a:ext cx="1543247" cy="1543247"/>
-          </a:xfrm>
-          <a:prstGeom prst="rect">
-            <a:avLst/>
-          </a:prstGeom>
-          <a:noFill/>
-          <a:extLst>
-            <a:ext uri="{909E8E84-426E-40DD-AFC4-6F175D3DCCD1}">
-              <a14:hiddenFill xmlns:a14="http://schemas.microsoft.com/office/drawing/2010/main">
-                <a:solidFill>
-                  <a:srgbClr val="FFFFFF"/>
-                </a:solidFill>
-              </a14:hiddenFill>
-            </a:ext>
-          </a:extLst>
-        </p:spPr>
-      </p:pic>
-      <p:pic>
-        <p:nvPicPr>
-          <p:cNvPr id="3080" name="Picture 8" descr="Github Logo - Free social media icons">
-            <a:extLst>
-              <a:ext uri="{FF2B5EF4-FFF2-40B4-BE49-F238E27FC236}">
-                <a16:creationId xmlns:a16="http://schemas.microsoft.com/office/drawing/2014/main" id="{029115AA-97E2-1863-0C36-0A5006B603BD}"/>
-              </a:ext>
-            </a:extLst>
-          </p:cNvPr>
-          <p:cNvPicPr>
-            <a:picLocks noChangeAspect="1" noChangeArrowheads="1"/>
-          </p:cNvPicPr>
-          <p:nvPr/>
-        </p:nvPicPr>
-        <p:blipFill>
-          <a:blip r:embed="rId28">
-            <a:extLst>
-              <a:ext uri="{28A0092B-C50C-407E-A947-70E740481C1C}">
-                <a14:useLocalDpi xmlns:a14="http://schemas.microsoft.com/office/drawing/2010/main" val="0"/>
-              </a:ext>
-            </a:extLst>
-          </a:blip>
-          <a:srcRect/>
-          <a:stretch>
-            <a:fillRect/>
-          </a:stretch>
-        </p:blipFill>
-        <p:spPr bwMode="auto">
-          <a:xfrm>
-            <a:off x="4008657" y="1637314"/>
-            <a:ext cx="1439309" cy="1439309"/>
-          </a:xfrm>
-          <a:prstGeom prst="rect">
-            <a:avLst/>
-          </a:prstGeom>
-          <a:noFill/>
-          <a:extLst>
-            <a:ext uri="{909E8E84-426E-40DD-AFC4-6F175D3DCCD1}">
-              <a14:hiddenFill xmlns:a14="http://schemas.microsoft.com/office/drawing/2010/main">
-                <a:solidFill>
-                  <a:srgbClr val="FFFFFF"/>
-                </a:solidFill>
-              </a14:hiddenFill>
-            </a:ext>
-          </a:extLst>
-        </p:spPr>
-      </p:pic>
-      <p:pic>
-        <p:nvPicPr>
-          <p:cNvPr id="3082" name="Picture 10">
-            <a:extLst>
-              <a:ext uri="{FF2B5EF4-FFF2-40B4-BE49-F238E27FC236}">
-                <a16:creationId xmlns:a16="http://schemas.microsoft.com/office/drawing/2014/main" id="{7855C7BD-FE73-686B-B8E5-34E6ADE81F71}"/>
-              </a:ext>
-            </a:extLst>
-          </p:cNvPr>
-          <p:cNvPicPr>
-            <a:picLocks noChangeAspect="1" noChangeArrowheads="1"/>
-          </p:cNvPicPr>
-          <p:nvPr/>
-        </p:nvPicPr>
-        <p:blipFill>
-          <a:blip r:embed="rId29">
-            <a:extLst>
-              <a:ext uri="{28A0092B-C50C-407E-A947-70E740481C1C}">
-                <a14:useLocalDpi xmlns:a14="http://schemas.microsoft.com/office/drawing/2010/main" val="0"/>
-              </a:ext>
-            </a:extLst>
-          </a:blip>
-          <a:srcRect/>
-          <a:stretch>
-            <a:fillRect/>
-          </a:stretch>
-        </p:blipFill>
-        <p:spPr bwMode="auto">
-          <a:xfrm>
-            <a:off x="5933088" y="1638777"/>
-            <a:ext cx="1546591" cy="1439309"/>
-          </a:xfrm>
-          <a:prstGeom prst="rect">
-            <a:avLst/>
-          </a:prstGeom>
-          <a:noFill/>
-          <a:extLst>
-            <a:ext uri="{909E8E84-426E-40DD-AFC4-6F175D3DCCD1}">
-              <a14:hiddenFill xmlns:a14="http://schemas.microsoft.com/office/drawing/2010/main">
-                <a:solidFill>
-                  <a:srgbClr val="FFFFFF"/>
-                </a:solidFill>
-              </a14:hiddenFill>
-            </a:ext>
-          </a:extLst>
-        </p:spPr>
-      </p:pic>
-      <p:pic>
-        <p:nvPicPr>
-          <p:cNvPr id="3084" name="Picture 12">
-            <a:extLst>
-              <a:ext uri="{FF2B5EF4-FFF2-40B4-BE49-F238E27FC236}">
-                <a16:creationId xmlns:a16="http://schemas.microsoft.com/office/drawing/2014/main" id="{8B56AF1F-16F8-42DA-CB82-4C6A71851E05}"/>
-              </a:ext>
-            </a:extLst>
-          </p:cNvPr>
-          <p:cNvPicPr>
-            <a:picLocks noChangeAspect="1" noChangeArrowheads="1"/>
-          </p:cNvPicPr>
-          <p:nvPr/>
-        </p:nvPicPr>
-        <p:blipFill>
-          <a:blip r:embed="rId30">
-            <a:extLst>
-              <a:ext uri="{28A0092B-C50C-407E-A947-70E740481C1C}">
-                <a14:useLocalDpi xmlns:a14="http://schemas.microsoft.com/office/drawing/2010/main" val="0"/>
-              </a:ext>
-            </a:extLst>
-          </a:blip>
-          <a:srcRect/>
-          <a:stretch>
-            <a:fillRect/>
-          </a:stretch>
-        </p:blipFill>
-        <p:spPr bwMode="auto">
-          <a:xfrm>
-            <a:off x="7858960" y="1647189"/>
-            <a:ext cx="1546590" cy="1437846"/>
-          </a:xfrm>
-          <a:prstGeom prst="rect">
-            <a:avLst/>
-          </a:prstGeom>
-          <a:noFill/>
-          <a:extLst>
-            <a:ext uri="{909E8E84-426E-40DD-AFC4-6F175D3DCCD1}">
-              <a14:hiddenFill xmlns:a14="http://schemas.microsoft.com/office/drawing/2010/main">
-                <a:solidFill>
-                  <a:srgbClr val="FFFFFF"/>
-                </a:solidFill>
-              </a14:hiddenFill>
-            </a:ext>
-          </a:extLst>
-        </p:spPr>
-      </p:pic>
-      <p:pic>
-        <p:nvPicPr>
-          <p:cNvPr id="3090" name="Picture 18">
-            <a:extLst>
-              <a:ext uri="{FF2B5EF4-FFF2-40B4-BE49-F238E27FC236}">
-                <a16:creationId xmlns:a16="http://schemas.microsoft.com/office/drawing/2014/main" id="{B4C07ADB-58FE-F857-DA2F-EF79A54E1556}"/>
-              </a:ext>
-            </a:extLst>
-          </p:cNvPr>
-          <p:cNvPicPr>
-            <a:picLocks noChangeAspect="1" noChangeArrowheads="1"/>
-          </p:cNvPicPr>
-          <p:nvPr/>
-        </p:nvPicPr>
-        <p:blipFill>
-          <a:blip r:embed="rId31">
-            <a:extLst>
-              <a:ext uri="{28A0092B-C50C-407E-A947-70E740481C1C}">
-                <a14:useLocalDpi xmlns:a14="http://schemas.microsoft.com/office/drawing/2010/main" val="0"/>
-              </a:ext>
-            </a:extLst>
-          </a:blip>
-          <a:srcRect/>
-          <a:stretch>
-            <a:fillRect/>
-          </a:stretch>
-        </p:blipFill>
-        <p:spPr bwMode="auto">
-          <a:xfrm>
-            <a:off x="1976776" y="3675977"/>
-            <a:ext cx="1439309" cy="1439309"/>
-          </a:xfrm>
-          <a:prstGeom prst="rect">
-            <a:avLst/>
-          </a:prstGeom>
-          <a:noFill/>
-          <a:extLst>
-            <a:ext uri="{909E8E84-426E-40DD-AFC4-6F175D3DCCD1}">
-              <a14:hiddenFill xmlns:a14="http://schemas.microsoft.com/office/drawing/2010/main">
-                <a:solidFill>
-                  <a:srgbClr val="FFFFFF"/>
-                </a:solidFill>
-              </a14:hiddenFill>
-            </a:ext>
-          </a:extLst>
-        </p:spPr>
-      </p:pic>
-      <p:pic>
-        <p:nvPicPr>
-          <p:cNvPr id="1028" name="Picture 4" descr="illustrator Logo and symbol, meaning, history, PNG, brand">
-            <a:extLst>
-              <a:ext uri="{FF2B5EF4-FFF2-40B4-BE49-F238E27FC236}">
-                <a16:creationId xmlns:a16="http://schemas.microsoft.com/office/drawing/2014/main" id="{4F66527E-0E22-BDD0-2030-88D5AEF1CB1F}"/>
-              </a:ext>
-            </a:extLst>
-          </p:cNvPr>
-          <p:cNvPicPr>
-            <a:picLocks noChangeAspect="1" noChangeArrowheads="1"/>
-          </p:cNvPicPr>
-          <p:nvPr/>
-        </p:nvPicPr>
-        <p:blipFill>
-          <a:blip r:embed="rId32">
-            <a:extLst>
-              <a:ext uri="{28A0092B-C50C-407E-A947-70E740481C1C}">
-                <a14:useLocalDpi xmlns:a14="http://schemas.microsoft.com/office/drawing/2010/main" val="0"/>
-              </a:ext>
-            </a:extLst>
-          </a:blip>
-          <a:srcRect/>
-          <a:stretch>
-            <a:fillRect/>
-          </a:stretch>
-        </p:blipFill>
-        <p:spPr bwMode="auto">
-          <a:xfrm>
-            <a:off x="5629688" y="3751978"/>
-            <a:ext cx="2325350" cy="1452713"/>
-          </a:xfrm>
-          <a:prstGeom prst="rect">
-            <a:avLst/>
-          </a:prstGeom>
-          <a:noFill/>
-          <a:extLst>
-            <a:ext uri="{909E8E84-426E-40DD-AFC4-6F175D3DCCD1}">
-              <a14:hiddenFill xmlns:a14="http://schemas.microsoft.com/office/drawing/2010/main">
-                <a:solidFill>
-                  <a:srgbClr val="FFFFFF"/>
-                </a:solidFill>
-              </a14:hiddenFill>
-            </a:ext>
-          </a:extLst>
-        </p:spPr>
-      </p:pic>
-      <p:pic>
-        <p:nvPicPr>
-          <p:cNvPr id="6" name="Picture 5" descr="A green hexagon with grey letters&#10;&#10;Description automatically generated">
-            <a:extLst>
-              <a:ext uri="{FF2B5EF4-FFF2-40B4-BE49-F238E27FC236}">
-                <a16:creationId xmlns:a16="http://schemas.microsoft.com/office/drawing/2014/main" id="{CDD03514-0D2C-4786-E031-28C6FB2C08AA}"/>
+          <p:cNvPr id="10" name="Picture 9" descr="A computer screen shot with icons&#10;&#10;Description automatically generated">
+            <a:extLst>
+              <a:ext uri="{FF2B5EF4-FFF2-40B4-BE49-F238E27FC236}">
+                <a16:creationId xmlns:a16="http://schemas.microsoft.com/office/drawing/2014/main" id="{15A9AD43-2D08-27B9-7AA4-E8A17B91919C}"/>
               </a:ext>
             </a:extLst>
           </p:cNvPr>
@@ -10459,163 +10045,63 @@
           <p:nvPr/>
         </p:nvPicPr>
         <p:blipFill>
-          <a:blip r:embed="rId33">
-            <a:extLst>
-              <a:ext uri="{28A0092B-C50C-407E-A947-70E740481C1C}">
-                <a14:useLocalDpi xmlns:a14="http://schemas.microsoft.com/office/drawing/2010/main" val="0"/>
-              </a:ext>
-            </a:extLst>
-          </a:blip>
+          <a:blip r:embed="rId27"/>
           <a:stretch>
             <a:fillRect/>
           </a:stretch>
         </p:blipFill>
         <p:spPr>
           <a:xfrm>
-            <a:off x="3956687" y="3714553"/>
-            <a:ext cx="1543247" cy="1543247"/>
+            <a:off x="1585047" y="16508"/>
+            <a:ext cx="13407079" cy="8012928"/>
           </a:xfrm>
           <a:prstGeom prst="rect">
             <a:avLst/>
           </a:prstGeom>
         </p:spPr>
       </p:pic>
-      <p:pic>
-        <p:nvPicPr>
-          <p:cNvPr id="7" name="Picture 6">
-            <a:extLst>
-              <a:ext uri="{FF2B5EF4-FFF2-40B4-BE49-F238E27FC236}">
-                <a16:creationId xmlns:a16="http://schemas.microsoft.com/office/drawing/2014/main" id="{B09DBB05-B9A3-5BAD-592C-8149EF9C101B}"/>
-              </a:ext>
-            </a:extLst>
-          </p:cNvPr>
-          <p:cNvPicPr>
-            <a:picLocks noChangeAspect="1"/>
-          </p:cNvPicPr>
-          <p:nvPr/>
-        </p:nvPicPr>
-        <p:blipFill>
-          <a:blip r:embed="rId34"/>
-          <a:stretch>
-            <a:fillRect/>
-          </a:stretch>
-        </p:blipFill>
+      <p:sp>
+        <p:nvSpPr>
+          <p:cNvPr id="2" name="Title 1">
+            <a:extLst>
+              <a:ext uri="{FF2B5EF4-FFF2-40B4-BE49-F238E27FC236}">
+                <a16:creationId xmlns:a16="http://schemas.microsoft.com/office/drawing/2014/main" id="{D8E143BA-C475-8482-6BD5-AB5D31F45B0F}"/>
+              </a:ext>
+            </a:extLst>
+          </p:cNvPr>
+          <p:cNvSpPr>
+            <a:spLocks noGrp="1"/>
+          </p:cNvSpPr>
+          <p:nvPr>
+            <p:ph type="ctrTitle"/>
+          </p:nvPr>
+        </p:nvSpPr>
         <p:spPr>
           <a:xfrm>
-            <a:off x="4737583" y="-4383680"/>
-            <a:ext cx="3619962" cy="4007500"/>
+            <a:off x="2019276" y="438047"/>
+            <a:ext cx="8153448" cy="966668"/>
           </a:xfrm>
-          <a:prstGeom prst="rect">
-            <a:avLst/>
-          </a:prstGeom>
         </p:spPr>
-      </p:pic>
-      <p:pic>
-        <p:nvPicPr>
-          <p:cNvPr id="13" name="Picture 12" descr="A colorful logo on a black background">
-            <a:extLst>
-              <a:ext uri="{FF2B5EF4-FFF2-40B4-BE49-F238E27FC236}">
-                <a16:creationId xmlns:a16="http://schemas.microsoft.com/office/drawing/2014/main" id="{68894CDE-8385-3D83-9709-509188035C0A}"/>
-              </a:ext>
-            </a:extLst>
-          </p:cNvPr>
-          <p:cNvPicPr>
-            <a:picLocks noChangeAspect="1"/>
-          </p:cNvPicPr>
-          <p:nvPr/>
-        </p:nvPicPr>
-        <p:blipFill>
-          <a:blip r:embed="rId35">
-            <a:extLst>
-              <a:ext uri="{28A0092B-C50C-407E-A947-70E740481C1C}">
-                <a14:useLocalDpi xmlns:a14="http://schemas.microsoft.com/office/drawing/2010/main" val="0"/>
-              </a:ext>
-            </a:extLst>
-          </a:blip>
-          <a:stretch>
-            <a:fillRect/>
-          </a:stretch>
-        </p:blipFill>
-        <p:spPr>
-          <a:xfrm>
-            <a:off x="7926745" y="3545486"/>
-            <a:ext cx="2039435" cy="2039435"/>
-          </a:xfrm>
-          <a:prstGeom prst="rect">
-            <a:avLst/>
-          </a:prstGeom>
-        </p:spPr>
-      </p:pic>
-      <p:pic>
-        <p:nvPicPr>
-          <p:cNvPr id="15" name="Picture 14" descr="A blue logo with a black background&#10;&#10;Description automatically generated">
-            <a:extLst>
-              <a:ext uri="{FF2B5EF4-FFF2-40B4-BE49-F238E27FC236}">
-                <a16:creationId xmlns:a16="http://schemas.microsoft.com/office/drawing/2014/main" id="{34AB24F6-F435-F4E0-72EF-9F53AB9EE23C}"/>
-              </a:ext>
-            </a:extLst>
-          </p:cNvPr>
-          <p:cNvPicPr>
-            <a:picLocks noChangeAspect="1"/>
-          </p:cNvPicPr>
-          <p:nvPr/>
-        </p:nvPicPr>
-        <p:blipFill>
-          <a:blip r:embed="rId36">
-            <a:extLst>
-              <a:ext uri="{28A0092B-C50C-407E-A947-70E740481C1C}">
-                <a14:useLocalDpi xmlns:a14="http://schemas.microsoft.com/office/drawing/2010/main" val="0"/>
-              </a:ext>
-            </a:extLst>
-          </a:blip>
-          <a:stretch>
-            <a:fillRect/>
-          </a:stretch>
-        </p:blipFill>
-        <p:spPr>
-          <a:xfrm>
-            <a:off x="9966180" y="3652299"/>
-            <a:ext cx="1641639" cy="1641639"/>
-          </a:xfrm>
-          <a:prstGeom prst="rect">
-            <a:avLst/>
-          </a:prstGeom>
-        </p:spPr>
-      </p:pic>
-      <p:pic>
-        <p:nvPicPr>
-          <p:cNvPr id="4" name="Picture 3" descr="PostgreSQL - Wikipedia">
-            <a:extLst>
-              <a:ext uri="{FF2B5EF4-FFF2-40B4-BE49-F238E27FC236}">
-                <a16:creationId xmlns:a16="http://schemas.microsoft.com/office/drawing/2014/main" id="{7B32648B-5F9F-4D29-0EF7-1C283ED8162D}"/>
-              </a:ext>
-            </a:extLst>
-          </p:cNvPr>
-          <p:cNvPicPr>
-            <a:picLocks noChangeAspect="1"/>
-          </p:cNvPicPr>
-          <p:nvPr/>
-        </p:nvPicPr>
-        <p:blipFill>
-          <a:blip r:embed="rId37"/>
-          <a:stretch>
-            <a:fillRect/>
-          </a:stretch>
-        </p:blipFill>
-        <p:spPr>
-          <a:xfrm>
-            <a:off x="9784831" y="1620226"/>
-            <a:ext cx="1668050" cy="1692288"/>
-          </a:xfrm>
-          <a:prstGeom prst="rect">
-            <a:avLst/>
-          </a:prstGeom>
-        </p:spPr>
-      </p:pic>
+        <p:txBody>
+          <a:bodyPr>
+            <a:normAutofit/>
+          </a:bodyPr>
+          <a:lstStyle/>
+          <a:p>
+            <a:r>
+              <a:rPr lang="bg-BG" dirty="0">
+                <a:latin typeface="Helvetica"/>
+                <a:cs typeface="Helvetica"/>
+              </a:rPr>
+              <a:t>Структура</a:t>
+            </a:r>
+          </a:p>
+        </p:txBody>
+      </p:sp>
     </p:spTree>
     <p:extLst>
       <p:ext uri="{BB962C8B-B14F-4D97-AF65-F5344CB8AC3E}">
-        <p14:creationId xmlns:p14="http://schemas.microsoft.com/office/powerpoint/2010/main" val="1298631190"/>
+        <p14:creationId xmlns:p14="http://schemas.microsoft.com/office/powerpoint/2010/main" val="3655730013"/>
       </p:ext>
     </p:extLst>
   </p:cSld>
@@ -10653,7 +10139,7 @@
         <p:cNvPr id="1" name="">
           <a:extLst>
             <a:ext uri="{FF2B5EF4-FFF2-40B4-BE49-F238E27FC236}">
-              <a16:creationId xmlns:a16="http://schemas.microsoft.com/office/drawing/2014/main" id="{D0EB5C61-58CB-B4F2-B3CE-1AE7204B2B4B}"/>
+              <a16:creationId xmlns:a16="http://schemas.microsoft.com/office/drawing/2014/main" id="{A336D430-B4F5-7ED7-7AB3-B7C5F4ED2EA1}"/>
             </a:ext>
           </a:extLst>
         </p:cNvPr>
@@ -10673,7 +10159,7 @@
           <p:cNvPr id="2" name="Title 1">
             <a:extLst>
               <a:ext uri="{FF2B5EF4-FFF2-40B4-BE49-F238E27FC236}">
-                <a16:creationId xmlns:a16="http://schemas.microsoft.com/office/drawing/2014/main" id="{AC117358-71D4-BF2E-AAF6-F1A9BB0FC74E}"/>
+                <a16:creationId xmlns:a16="http://schemas.microsoft.com/office/drawing/2014/main" id="{D8E143BA-C475-8482-6BD5-AB5D31F45B0F}"/>
               </a:ext>
             </a:extLst>
           </p:cNvPr>
@@ -10686,30 +10172,27 @@
         </p:nvSpPr>
         <p:spPr>
           <a:xfrm>
-            <a:off x="2470840" y="378267"/>
+            <a:off x="2715639" y="378267"/>
             <a:ext cx="8153448" cy="966668"/>
           </a:xfrm>
         </p:spPr>
         <p:txBody>
           <a:bodyPr>
-            <a:noAutofit/>
+            <a:normAutofit fontScale="90000"/>
           </a:bodyPr>
           <a:lstStyle/>
           <a:p>
             <a:r>
-              <a:rPr lang="bg-BG" sz="4400" dirty="0">
+              <a:rPr lang="bg-BG" dirty="0">
                 <a:latin typeface="Helvetica" panose="020B0604020202020204" pitchFamily="34" charset="0"/>
                 <a:cs typeface="Helvetica" panose="020B0604020202020204" pitchFamily="34" charset="0"/>
               </a:rPr>
-              <a:t>Използвани езици и допълнения към тях</a:t>
+              <a:t>Използвани технологии</a:t>
             </a:r>
-            <a:r>
-              <a:rPr lang="en-US" sz="4400" dirty="0">
-                <a:latin typeface="Helvetica" panose="020B0604020202020204" pitchFamily="34" charset="0"/>
-                <a:cs typeface="Helvetica" panose="020B0604020202020204" pitchFamily="34" charset="0"/>
-              </a:rPr>
-              <a:t> </a:t>
-            </a:r>
+            <a:endParaRPr lang="en-US" dirty="0">
+              <a:latin typeface="Helvetica" panose="020B0604020202020204" pitchFamily="34" charset="0"/>
+              <a:cs typeface="Helvetica" panose="020B0604020202020204" pitchFamily="34" charset="0"/>
+            </a:endParaRPr>
           </a:p>
         </p:txBody>
       </p:sp>
@@ -10718,7 +10201,7 @@
           <p:cNvPr id="3" name="Freeform: Shape 2">
             <a:extLst>
               <a:ext uri="{FF2B5EF4-FFF2-40B4-BE49-F238E27FC236}">
-                <a16:creationId xmlns:a16="http://schemas.microsoft.com/office/drawing/2014/main" id="{89791DBF-7114-65DA-35ED-0998526788C4}"/>
+                <a16:creationId xmlns:a16="http://schemas.microsoft.com/office/drawing/2014/main" id="{4BF5C491-2223-0263-9019-E8ED42B4233D}"/>
               </a:ext>
             </a:extLst>
           </p:cNvPr>
@@ -11331,6 +10814,1761 @@
             <a:hlinkClick r:id="rId2" action="ppaction://hlinksldjump"/>
             <a:extLst>
               <a:ext uri="{FF2B5EF4-FFF2-40B4-BE49-F238E27FC236}">
+                <a16:creationId xmlns:a16="http://schemas.microsoft.com/office/drawing/2014/main" id="{8768890A-4024-1238-87D7-D2440C5C973C}"/>
+              </a:ext>
+            </a:extLst>
+          </p:cNvPr>
+          <p:cNvPicPr>
+            <a:picLocks noChangeAspect="1"/>
+          </p:cNvPicPr>
+          <p:nvPr/>
+        </p:nvPicPr>
+        <p:blipFill>
+          <a:blip r:embed="rId3">
+            <a:extLst>
+              <a:ext uri="{28A0092B-C50C-407E-A947-70E740481C1C}">
+                <a14:useLocalDpi xmlns:a14="http://schemas.microsoft.com/office/drawing/2010/main" val="0"/>
+              </a:ext>
+              <a:ext uri="{96DAC541-7B7A-43D3-8B79-37D633B846F1}">
+                <asvg:svgBlip xmlns:asvg="http://schemas.microsoft.com/office/drawing/2016/SVG/main" r:embed="rId4"/>
+              </a:ext>
+            </a:extLst>
+          </a:blip>
+          <a:stretch>
+            <a:fillRect/>
+          </a:stretch>
+        </p:blipFill>
+        <p:spPr>
+          <a:xfrm>
+            <a:off x="54077" y="981162"/>
+            <a:ext cx="772780" cy="765022"/>
+          </a:xfrm>
+          <a:prstGeom prst="rect">
+            <a:avLst/>
+          </a:prstGeom>
+        </p:spPr>
+      </p:pic>
+      <p:grpSp>
+        <p:nvGrpSpPr>
+          <p:cNvPr id="29" name="Group 28">
+            <a:extLst>
+              <a:ext uri="{FF2B5EF4-FFF2-40B4-BE49-F238E27FC236}">
+                <a16:creationId xmlns:a16="http://schemas.microsoft.com/office/drawing/2014/main" id="{930C9549-BA66-73D1-30EB-8154E504CC90}"/>
+              </a:ext>
+            </a:extLst>
+          </p:cNvPr>
+          <p:cNvGrpSpPr/>
+          <p:nvPr/>
+        </p:nvGrpSpPr>
+        <p:grpSpPr>
+          <a:xfrm>
+            <a:off x="-1076330" y="861601"/>
+            <a:ext cx="2088932" cy="884583"/>
+            <a:chOff x="755167" y="905798"/>
+            <a:chExt cx="2088932" cy="884583"/>
+          </a:xfrm>
+        </p:grpSpPr>
+        <p:sp>
+          <p:nvSpPr>
+            <p:cNvPr id="33" name="Oval 32">
+              <a:extLst>
+                <a:ext uri="{FF2B5EF4-FFF2-40B4-BE49-F238E27FC236}">
+                  <a16:creationId xmlns:a16="http://schemas.microsoft.com/office/drawing/2014/main" id="{F40D606D-AFB2-C35F-C062-C6581355C7C9}"/>
+                </a:ext>
+              </a:extLst>
+            </p:cNvPr>
+            <p:cNvSpPr/>
+            <p:nvPr/>
+          </p:nvSpPr>
+          <p:spPr>
+            <a:xfrm>
+              <a:off x="755167" y="905798"/>
+              <a:ext cx="884583" cy="884583"/>
+            </a:xfrm>
+            <a:prstGeom prst="ellipse">
+              <a:avLst/>
+            </a:prstGeom>
+            <a:solidFill>
+              <a:schemeClr val="bg1"/>
+            </a:solidFill>
+            <a:ln>
+              <a:solidFill>
+                <a:schemeClr val="bg1"/>
+              </a:solidFill>
+            </a:ln>
+          </p:spPr>
+          <p:style>
+            <a:lnRef idx="2">
+              <a:schemeClr val="accent1">
+                <a:shade val="50000"/>
+              </a:schemeClr>
+            </a:lnRef>
+            <a:fillRef idx="1">
+              <a:schemeClr val="accent1"/>
+            </a:fillRef>
+            <a:effectRef idx="0">
+              <a:schemeClr val="accent1"/>
+            </a:effectRef>
+            <a:fontRef idx="minor">
+              <a:schemeClr val="lt1"/>
+            </a:fontRef>
+          </p:style>
+          <p:txBody>
+            <a:bodyPr rtlCol="0" anchor="ctr"/>
+            <a:lstStyle/>
+            <a:p>
+              <a:pPr algn="ctr"/>
+              <a:endParaRPr lang="en-US"/>
+            </a:p>
+          </p:txBody>
+        </p:sp>
+        <p:pic>
+          <p:nvPicPr>
+            <p:cNvPr id="34" name="Graphic 33" descr="Play with solid fill">
+              <a:hlinkClick r:id="rId2" action="ppaction://hlinksldjump"/>
+              <a:extLst>
+                <a:ext uri="{FF2B5EF4-FFF2-40B4-BE49-F238E27FC236}">
+                  <a16:creationId xmlns:a16="http://schemas.microsoft.com/office/drawing/2014/main" id="{8C9FC6E0-472B-662A-55DC-EE8B1F1B252F}"/>
+                </a:ext>
+              </a:extLst>
+            </p:cNvPr>
+            <p:cNvPicPr>
+              <a:picLocks noChangeAspect="1"/>
+            </p:cNvPicPr>
+            <p:nvPr/>
+          </p:nvPicPr>
+          <p:blipFill>
+            <a:blip r:embed="rId5">
+              <a:extLst>
+                <a:ext uri="{28A0092B-C50C-407E-A947-70E740481C1C}">
+                  <a14:useLocalDpi xmlns:a14="http://schemas.microsoft.com/office/drawing/2010/main" val="0"/>
+                </a:ext>
+                <a:ext uri="{96DAC541-7B7A-43D3-8B79-37D633B846F1}">
+                  <asvg:svgBlip xmlns:asvg="http://schemas.microsoft.com/office/drawing/2016/SVG/main" r:embed="rId6"/>
+                </a:ext>
+              </a:extLst>
+            </a:blip>
+            <a:stretch>
+              <a:fillRect/>
+            </a:stretch>
+          </p:blipFill>
+          <p:spPr>
+            <a:xfrm>
+              <a:off x="2071319" y="965578"/>
+              <a:ext cx="772780" cy="765022"/>
+            </a:xfrm>
+            <a:prstGeom prst="rect">
+              <a:avLst/>
+            </a:prstGeom>
+          </p:spPr>
+        </p:pic>
+      </p:grpSp>
+      <p:grpSp>
+        <p:nvGrpSpPr>
+          <p:cNvPr id="36" name="Group 35">
+            <a:extLst>
+              <a:ext uri="{FF2B5EF4-FFF2-40B4-BE49-F238E27FC236}">
+                <a16:creationId xmlns:a16="http://schemas.microsoft.com/office/drawing/2014/main" id="{0CF4F8B5-21D3-38B3-F8C6-3487EC285171}"/>
+              </a:ext>
+            </a:extLst>
+          </p:cNvPr>
+          <p:cNvGrpSpPr/>
+          <p:nvPr/>
+        </p:nvGrpSpPr>
+        <p:grpSpPr>
+          <a:xfrm>
+            <a:off x="-1059970" y="2041905"/>
+            <a:ext cx="914400" cy="923474"/>
+            <a:chOff x="-1059970" y="2041905"/>
+            <a:chExt cx="914400" cy="923474"/>
+          </a:xfrm>
+        </p:grpSpPr>
+        <p:sp>
+          <p:nvSpPr>
+            <p:cNvPr id="37" name="Oval 36">
+              <a:extLst>
+                <a:ext uri="{FF2B5EF4-FFF2-40B4-BE49-F238E27FC236}">
+                  <a16:creationId xmlns:a16="http://schemas.microsoft.com/office/drawing/2014/main" id="{05E28BBF-9139-9A2A-BC18-F4307C045820}"/>
+                </a:ext>
+              </a:extLst>
+            </p:cNvPr>
+            <p:cNvSpPr/>
+            <p:nvPr/>
+          </p:nvSpPr>
+          <p:spPr>
+            <a:xfrm>
+              <a:off x="-1051773" y="2041905"/>
+              <a:ext cx="884583" cy="884583"/>
+            </a:xfrm>
+            <a:prstGeom prst="ellipse">
+              <a:avLst/>
+            </a:prstGeom>
+            <a:solidFill>
+              <a:schemeClr val="bg1"/>
+            </a:solidFill>
+            <a:ln>
+              <a:solidFill>
+                <a:schemeClr val="bg1"/>
+              </a:solidFill>
+            </a:ln>
+          </p:spPr>
+          <p:style>
+            <a:lnRef idx="2">
+              <a:schemeClr val="accent1">
+                <a:shade val="50000"/>
+              </a:schemeClr>
+            </a:lnRef>
+            <a:fillRef idx="1">
+              <a:schemeClr val="accent1"/>
+            </a:fillRef>
+            <a:effectRef idx="0">
+              <a:schemeClr val="accent1"/>
+            </a:effectRef>
+            <a:fontRef idx="minor">
+              <a:schemeClr val="lt1"/>
+            </a:fontRef>
+          </p:style>
+          <p:txBody>
+            <a:bodyPr rtlCol="0" anchor="ctr"/>
+            <a:lstStyle/>
+            <a:p>
+              <a:pPr algn="ctr"/>
+              <a:endParaRPr lang="en-US"/>
+            </a:p>
+          </p:txBody>
+        </p:sp>
+        <p:pic>
+          <p:nvPicPr>
+            <p:cNvPr id="38" name="Graphic 37" descr="Users outline">
+              <a:extLst>
+                <a:ext uri="{FF2B5EF4-FFF2-40B4-BE49-F238E27FC236}">
+                  <a16:creationId xmlns:a16="http://schemas.microsoft.com/office/drawing/2014/main" id="{3ECCB0F5-1C8A-9F75-27E2-0BAB22988F0D}"/>
+                </a:ext>
+              </a:extLst>
+            </p:cNvPr>
+            <p:cNvPicPr>
+              <a:picLocks noChangeAspect="1"/>
+            </p:cNvPicPr>
+            <p:nvPr/>
+          </p:nvPicPr>
+          <p:blipFill>
+            <a:blip r:embed="rId7">
+              <a:extLst>
+                <a:ext uri="{28A0092B-C50C-407E-A947-70E740481C1C}">
+                  <a14:useLocalDpi xmlns:a14="http://schemas.microsoft.com/office/drawing/2010/main" val="0"/>
+                </a:ext>
+                <a:ext uri="{96DAC541-7B7A-43D3-8B79-37D633B846F1}">
+                  <asvg:svgBlip xmlns:asvg="http://schemas.microsoft.com/office/drawing/2016/SVG/main" r:embed="rId8"/>
+                </a:ext>
+              </a:extLst>
+            </a:blip>
+            <a:stretch>
+              <a:fillRect/>
+            </a:stretch>
+          </p:blipFill>
+          <p:spPr>
+            <a:xfrm>
+              <a:off x="-1059970" y="2050979"/>
+              <a:ext cx="914400" cy="914400"/>
+            </a:xfrm>
+            <a:prstGeom prst="rect">
+              <a:avLst/>
+            </a:prstGeom>
+          </p:spPr>
+        </p:pic>
+      </p:grpSp>
+      <p:grpSp>
+        <p:nvGrpSpPr>
+          <p:cNvPr id="39" name="Group 38">
+            <a:extLst>
+              <a:ext uri="{FF2B5EF4-FFF2-40B4-BE49-F238E27FC236}">
+                <a16:creationId xmlns:a16="http://schemas.microsoft.com/office/drawing/2014/main" id="{AFE35861-2133-54E2-DED0-D185CBF6B409}"/>
+              </a:ext>
+            </a:extLst>
+          </p:cNvPr>
+          <p:cNvGrpSpPr/>
+          <p:nvPr/>
+        </p:nvGrpSpPr>
+        <p:grpSpPr>
+          <a:xfrm>
+            <a:off x="-1076330" y="5257800"/>
+            <a:ext cx="884583" cy="884583"/>
+            <a:chOff x="-1076330" y="5257800"/>
+            <a:chExt cx="884583" cy="884583"/>
+          </a:xfrm>
+        </p:grpSpPr>
+        <p:sp>
+          <p:nvSpPr>
+            <p:cNvPr id="40" name="Oval 39">
+              <a:extLst>
+                <a:ext uri="{FF2B5EF4-FFF2-40B4-BE49-F238E27FC236}">
+                  <a16:creationId xmlns:a16="http://schemas.microsoft.com/office/drawing/2014/main" id="{0C6A5249-3BEB-A6FD-C242-BFCC90F499FC}"/>
+                </a:ext>
+              </a:extLst>
+            </p:cNvPr>
+            <p:cNvSpPr/>
+            <p:nvPr/>
+          </p:nvSpPr>
+          <p:spPr>
+            <a:xfrm>
+              <a:off x="-1076330" y="5257800"/>
+              <a:ext cx="884583" cy="884583"/>
+            </a:xfrm>
+            <a:prstGeom prst="ellipse">
+              <a:avLst/>
+            </a:prstGeom>
+            <a:solidFill>
+              <a:schemeClr val="bg1"/>
+            </a:solidFill>
+            <a:ln>
+              <a:solidFill>
+                <a:schemeClr val="bg1"/>
+              </a:solidFill>
+            </a:ln>
+          </p:spPr>
+          <p:style>
+            <a:lnRef idx="2">
+              <a:schemeClr val="accent1">
+                <a:shade val="50000"/>
+              </a:schemeClr>
+            </a:lnRef>
+            <a:fillRef idx="1">
+              <a:schemeClr val="accent1"/>
+            </a:fillRef>
+            <a:effectRef idx="0">
+              <a:schemeClr val="accent1"/>
+            </a:effectRef>
+            <a:fontRef idx="minor">
+              <a:schemeClr val="lt1"/>
+            </a:fontRef>
+          </p:style>
+          <p:txBody>
+            <a:bodyPr rtlCol="0" anchor="ctr"/>
+            <a:lstStyle/>
+            <a:p>
+              <a:pPr algn="ctr"/>
+              <a:endParaRPr lang="en-US"/>
+            </a:p>
+          </p:txBody>
+        </p:sp>
+        <p:pic>
+          <p:nvPicPr>
+            <p:cNvPr id="41" name="Graphic 40" descr="Stop with solid fill">
+              <a:extLst>
+                <a:ext uri="{FF2B5EF4-FFF2-40B4-BE49-F238E27FC236}">
+                  <a16:creationId xmlns:a16="http://schemas.microsoft.com/office/drawing/2014/main" id="{6FF33492-7199-DBD1-EAA0-03E7686597C2}"/>
+                </a:ext>
+              </a:extLst>
+            </p:cNvPr>
+            <p:cNvPicPr>
+              <a:picLocks noChangeAspect="1"/>
+            </p:cNvPicPr>
+            <p:nvPr/>
+          </p:nvPicPr>
+          <p:blipFill>
+            <a:blip r:embed="rId9">
+              <a:extLst>
+                <a:ext uri="{28A0092B-C50C-407E-A947-70E740481C1C}">
+                  <a14:useLocalDpi xmlns:a14="http://schemas.microsoft.com/office/drawing/2010/main" val="0"/>
+                </a:ext>
+                <a:ext uri="{96DAC541-7B7A-43D3-8B79-37D633B846F1}">
+                  <asvg:svgBlip xmlns:asvg="http://schemas.microsoft.com/office/drawing/2016/SVG/main" r:embed="rId10"/>
+                </a:ext>
+              </a:extLst>
+            </a:blip>
+            <a:stretch>
+              <a:fillRect/>
+            </a:stretch>
+          </p:blipFill>
+          <p:spPr>
+            <a:xfrm>
+              <a:off x="-1020258" y="5313872"/>
+              <a:ext cx="772437" cy="772437"/>
+            </a:xfrm>
+            <a:prstGeom prst="rect">
+              <a:avLst/>
+            </a:prstGeom>
+          </p:spPr>
+        </p:pic>
+      </p:grpSp>
+      <p:grpSp>
+        <p:nvGrpSpPr>
+          <p:cNvPr id="42" name="Group 41">
+            <a:extLst>
+              <a:ext uri="{FF2B5EF4-FFF2-40B4-BE49-F238E27FC236}">
+                <a16:creationId xmlns:a16="http://schemas.microsoft.com/office/drawing/2014/main" id="{96A07BBF-AFC3-C08A-CB94-56E85A28DF75}"/>
+              </a:ext>
+            </a:extLst>
+          </p:cNvPr>
+          <p:cNvGrpSpPr/>
+          <p:nvPr/>
+        </p:nvGrpSpPr>
+        <p:grpSpPr>
+          <a:xfrm>
+            <a:off x="-1041315" y="3159746"/>
+            <a:ext cx="884583" cy="884583"/>
+            <a:chOff x="-1041315" y="3159746"/>
+            <a:chExt cx="884583" cy="884583"/>
+          </a:xfrm>
+        </p:grpSpPr>
+        <p:sp>
+          <p:nvSpPr>
+            <p:cNvPr id="43" name="Oval 42">
+              <a:extLst>
+                <a:ext uri="{FF2B5EF4-FFF2-40B4-BE49-F238E27FC236}">
+                  <a16:creationId xmlns:a16="http://schemas.microsoft.com/office/drawing/2014/main" id="{C103A417-F86C-30B4-E42E-93C24E82D0C2}"/>
+                </a:ext>
+              </a:extLst>
+            </p:cNvPr>
+            <p:cNvSpPr/>
+            <p:nvPr/>
+          </p:nvSpPr>
+          <p:spPr>
+            <a:xfrm>
+              <a:off x="-1041315" y="3159746"/>
+              <a:ext cx="884583" cy="884583"/>
+            </a:xfrm>
+            <a:prstGeom prst="ellipse">
+              <a:avLst/>
+            </a:prstGeom>
+            <a:solidFill>
+              <a:schemeClr val="bg1"/>
+            </a:solidFill>
+            <a:ln>
+              <a:solidFill>
+                <a:schemeClr val="bg1"/>
+              </a:solidFill>
+            </a:ln>
+          </p:spPr>
+          <p:style>
+            <a:lnRef idx="2">
+              <a:schemeClr val="accent1">
+                <a:shade val="50000"/>
+              </a:schemeClr>
+            </a:lnRef>
+            <a:fillRef idx="1">
+              <a:schemeClr val="accent1"/>
+            </a:fillRef>
+            <a:effectRef idx="0">
+              <a:schemeClr val="accent1"/>
+            </a:effectRef>
+            <a:fontRef idx="minor">
+              <a:schemeClr val="lt1"/>
+            </a:fontRef>
+          </p:style>
+          <p:txBody>
+            <a:bodyPr rtlCol="0" anchor="ctr"/>
+            <a:lstStyle/>
+            <a:p>
+              <a:pPr algn="ctr"/>
+              <a:endParaRPr lang="en-US"/>
+            </a:p>
+          </p:txBody>
+        </p:sp>
+        <p:pic>
+          <p:nvPicPr>
+            <p:cNvPr id="44" name="Graphic 43" descr="Computer with solid fill">
+              <a:extLst>
+                <a:ext uri="{FF2B5EF4-FFF2-40B4-BE49-F238E27FC236}">
+                  <a16:creationId xmlns:a16="http://schemas.microsoft.com/office/drawing/2014/main" id="{51F24EC1-158F-EB7C-F60A-50B1F4F18D9D}"/>
+                </a:ext>
+              </a:extLst>
+            </p:cNvPr>
+            <p:cNvPicPr>
+              <a:picLocks noChangeAspect="1"/>
+            </p:cNvPicPr>
+            <p:nvPr/>
+          </p:nvPicPr>
+          <p:blipFill>
+            <a:blip r:embed="rId11">
+              <a:extLst>
+                <a:ext uri="{28A0092B-C50C-407E-A947-70E740481C1C}">
+                  <a14:useLocalDpi xmlns:a14="http://schemas.microsoft.com/office/drawing/2010/main" val="0"/>
+                </a:ext>
+                <a:ext uri="{96DAC541-7B7A-43D3-8B79-37D633B846F1}">
+                  <asvg:svgBlip xmlns:asvg="http://schemas.microsoft.com/office/drawing/2016/SVG/main" r:embed="rId12"/>
+                </a:ext>
+              </a:extLst>
+            </a:blip>
+            <a:stretch>
+              <a:fillRect/>
+            </a:stretch>
+          </p:blipFill>
+          <p:spPr>
+            <a:xfrm>
+              <a:off x="-982757" y="3215889"/>
+              <a:ext cx="772295" cy="772295"/>
+            </a:xfrm>
+            <a:prstGeom prst="rect">
+              <a:avLst/>
+            </a:prstGeom>
+          </p:spPr>
+        </p:pic>
+      </p:grpSp>
+      <p:grpSp>
+        <p:nvGrpSpPr>
+          <p:cNvPr id="45" name="Group 44">
+            <a:extLst>
+              <a:ext uri="{FF2B5EF4-FFF2-40B4-BE49-F238E27FC236}">
+                <a16:creationId xmlns:a16="http://schemas.microsoft.com/office/drawing/2014/main" id="{CA06BD29-B1B1-3F2C-4941-DB3056E898F7}"/>
+              </a:ext>
+            </a:extLst>
+          </p:cNvPr>
+          <p:cNvGrpSpPr/>
+          <p:nvPr/>
+        </p:nvGrpSpPr>
+        <p:grpSpPr>
+          <a:xfrm>
+            <a:off x="826857" y="4191597"/>
+            <a:ext cx="884583" cy="910080"/>
+            <a:chOff x="-1045062" y="4178850"/>
+            <a:chExt cx="884583" cy="910080"/>
+          </a:xfrm>
+        </p:grpSpPr>
+        <p:sp>
+          <p:nvSpPr>
+            <p:cNvPr id="46" name="Oval 45">
+              <a:extLst>
+                <a:ext uri="{FF2B5EF4-FFF2-40B4-BE49-F238E27FC236}">
+                  <a16:creationId xmlns:a16="http://schemas.microsoft.com/office/drawing/2014/main" id="{D0144029-2A62-66AA-011F-CD2FF1D58C0A}"/>
+                </a:ext>
+              </a:extLst>
+            </p:cNvPr>
+            <p:cNvSpPr/>
+            <p:nvPr/>
+          </p:nvSpPr>
+          <p:spPr>
+            <a:xfrm>
+              <a:off x="-1045062" y="4204347"/>
+              <a:ext cx="884583" cy="884583"/>
+            </a:xfrm>
+            <a:prstGeom prst="ellipse">
+              <a:avLst/>
+            </a:prstGeom>
+            <a:solidFill>
+              <a:schemeClr val="bg1"/>
+            </a:solidFill>
+            <a:ln>
+              <a:solidFill>
+                <a:schemeClr val="bg1"/>
+              </a:solidFill>
+            </a:ln>
+          </p:spPr>
+          <p:style>
+            <a:lnRef idx="2">
+              <a:schemeClr val="accent1">
+                <a:shade val="50000"/>
+              </a:schemeClr>
+            </a:lnRef>
+            <a:fillRef idx="1">
+              <a:schemeClr val="accent1"/>
+            </a:fillRef>
+            <a:effectRef idx="0">
+              <a:schemeClr val="accent1"/>
+            </a:effectRef>
+            <a:fontRef idx="minor">
+              <a:schemeClr val="lt1"/>
+            </a:fontRef>
+          </p:style>
+          <p:txBody>
+            <a:bodyPr rtlCol="0" anchor="ctr"/>
+            <a:lstStyle/>
+            <a:p>
+              <a:pPr algn="ctr"/>
+              <a:endParaRPr lang="en-US"/>
+            </a:p>
+          </p:txBody>
+        </p:sp>
+        <p:pic>
+          <p:nvPicPr>
+            <p:cNvPr id="47" name="Graphic 46" descr="Programmer male with solid fill">
+              <a:hlinkClick r:id="rId13" action="ppaction://hlinksldjump"/>
+              <a:extLst>
+                <a:ext uri="{FF2B5EF4-FFF2-40B4-BE49-F238E27FC236}">
+                  <a16:creationId xmlns:a16="http://schemas.microsoft.com/office/drawing/2014/main" id="{7DD449DF-97C1-2BB2-2EFC-7BDE3FC77376}"/>
+                </a:ext>
+              </a:extLst>
+            </p:cNvPr>
+            <p:cNvPicPr>
+              <a:picLocks noChangeAspect="1"/>
+            </p:cNvPicPr>
+            <p:nvPr/>
+          </p:nvPicPr>
+          <p:blipFill>
+            <a:blip r:embed="rId14">
+              <a:extLst>
+                <a:ext uri="{28A0092B-C50C-407E-A947-70E740481C1C}">
+                  <a14:useLocalDpi xmlns:a14="http://schemas.microsoft.com/office/drawing/2010/main" val="0"/>
+                </a:ext>
+                <a:ext uri="{96DAC541-7B7A-43D3-8B79-37D633B846F1}">
+                  <asvg:svgBlip xmlns:asvg="http://schemas.microsoft.com/office/drawing/2016/SVG/main" r:embed="rId15"/>
+                </a:ext>
+              </a:extLst>
+            </a:blip>
+            <a:stretch>
+              <a:fillRect/>
+            </a:stretch>
+          </p:blipFill>
+          <p:spPr>
+            <a:xfrm>
+              <a:off x="-997396" y="4178850"/>
+              <a:ext cx="805649" cy="805649"/>
+            </a:xfrm>
+            <a:prstGeom prst="rect">
+              <a:avLst/>
+            </a:prstGeom>
+          </p:spPr>
+        </p:pic>
+      </p:grpSp>
+      <p:pic>
+        <p:nvPicPr>
+          <p:cNvPr id="48" name="Graphic 47" descr="Users outline">
+            <a:hlinkClick r:id="rId16" action="ppaction://hlinksldjump"/>
+            <a:extLst>
+              <a:ext uri="{FF2B5EF4-FFF2-40B4-BE49-F238E27FC236}">
+                <a16:creationId xmlns:a16="http://schemas.microsoft.com/office/drawing/2014/main" id="{3D76CE4F-53E0-E66B-BBD2-7B7319B92E88}"/>
+              </a:ext>
+            </a:extLst>
+          </p:cNvPr>
+          <p:cNvPicPr>
+            <a:picLocks noChangeAspect="1"/>
+          </p:cNvPicPr>
+          <p:nvPr/>
+        </p:nvPicPr>
+        <p:blipFill>
+          <a:blip r:embed="rId17">
+            <a:extLst>
+              <a:ext uri="{28A0092B-C50C-407E-A947-70E740481C1C}">
+                <a14:useLocalDpi xmlns:a14="http://schemas.microsoft.com/office/drawing/2010/main" val="0"/>
+              </a:ext>
+              <a:ext uri="{96DAC541-7B7A-43D3-8B79-37D633B846F1}">
+                <asvg:svgBlip xmlns:asvg="http://schemas.microsoft.com/office/drawing/2016/SVG/main" r:embed="rId18"/>
+              </a:ext>
+            </a:extLst>
+          </a:blip>
+          <a:stretch>
+            <a:fillRect/>
+          </a:stretch>
+        </p:blipFill>
+        <p:spPr>
+          <a:xfrm>
+            <a:off x="152280" y="2013345"/>
+            <a:ext cx="914400" cy="914400"/>
+          </a:xfrm>
+          <a:prstGeom prst="rect">
+            <a:avLst/>
+          </a:prstGeom>
+        </p:spPr>
+      </p:pic>
+      <p:pic>
+        <p:nvPicPr>
+          <p:cNvPr id="49" name="Graphic 48" descr="Computer with solid fill">
+            <a:hlinkClick r:id="rId19" action="ppaction://hlinksldjump"/>
+            <a:extLst>
+              <a:ext uri="{FF2B5EF4-FFF2-40B4-BE49-F238E27FC236}">
+                <a16:creationId xmlns:a16="http://schemas.microsoft.com/office/drawing/2014/main" id="{67F7E0EA-E565-83DE-EEC5-BC8462C37FE5}"/>
+              </a:ext>
+            </a:extLst>
+          </p:cNvPr>
+          <p:cNvPicPr>
+            <a:picLocks noChangeAspect="1"/>
+          </p:cNvPicPr>
+          <p:nvPr/>
+        </p:nvPicPr>
+        <p:blipFill>
+          <a:blip r:embed="rId20">
+            <a:extLst>
+              <a:ext uri="{28A0092B-C50C-407E-A947-70E740481C1C}">
+                <a14:useLocalDpi xmlns:a14="http://schemas.microsoft.com/office/drawing/2010/main" val="0"/>
+              </a:ext>
+              <a:ext uri="{96DAC541-7B7A-43D3-8B79-37D633B846F1}">
+                <asvg:svgBlip xmlns:asvg="http://schemas.microsoft.com/office/drawing/2016/SVG/main" r:embed="rId21"/>
+              </a:ext>
+            </a:extLst>
+          </a:blip>
+          <a:stretch>
+            <a:fillRect/>
+          </a:stretch>
+        </p:blipFill>
+        <p:spPr>
+          <a:xfrm>
+            <a:off x="204218" y="3194906"/>
+            <a:ext cx="772295" cy="772295"/>
+          </a:xfrm>
+          <a:prstGeom prst="rect">
+            <a:avLst/>
+          </a:prstGeom>
+        </p:spPr>
+      </p:pic>
+      <p:pic>
+        <p:nvPicPr>
+          <p:cNvPr id="50" name="Graphic 49" descr="Programmer male with solid fill">
+            <a:extLst>
+              <a:ext uri="{FF2B5EF4-FFF2-40B4-BE49-F238E27FC236}">
+                <a16:creationId xmlns:a16="http://schemas.microsoft.com/office/drawing/2014/main" id="{88A5E535-5957-D0D7-2E23-49AAB58E9867}"/>
+              </a:ext>
+            </a:extLst>
+          </p:cNvPr>
+          <p:cNvPicPr>
+            <a:picLocks noChangeAspect="1"/>
+          </p:cNvPicPr>
+          <p:nvPr/>
+        </p:nvPicPr>
+        <p:blipFill>
+          <a:blip r:embed="rId22">
+            <a:extLst>
+              <a:ext uri="{28A0092B-C50C-407E-A947-70E740481C1C}">
+                <a14:useLocalDpi xmlns:a14="http://schemas.microsoft.com/office/drawing/2010/main" val="0"/>
+              </a:ext>
+              <a:ext uri="{96DAC541-7B7A-43D3-8B79-37D633B846F1}">
+                <asvg:svgBlip xmlns:asvg="http://schemas.microsoft.com/office/drawing/2016/SVG/main" r:embed="rId23"/>
+              </a:ext>
+            </a:extLst>
+          </a:blip>
+          <a:stretch>
+            <a:fillRect/>
+          </a:stretch>
+        </p:blipFill>
+        <p:spPr>
+          <a:xfrm>
+            <a:off x="-1000938" y="4162380"/>
+            <a:ext cx="805649" cy="805649"/>
+          </a:xfrm>
+          <a:prstGeom prst="rect">
+            <a:avLst/>
+          </a:prstGeom>
+        </p:spPr>
+      </p:pic>
+      <p:pic>
+        <p:nvPicPr>
+          <p:cNvPr id="51" name="Graphic 50" descr="Stop with solid fill">
+            <a:hlinkClick r:id="rId24" action="ppaction://hlinksldjump"/>
+            <a:extLst>
+              <a:ext uri="{FF2B5EF4-FFF2-40B4-BE49-F238E27FC236}">
+                <a16:creationId xmlns:a16="http://schemas.microsoft.com/office/drawing/2014/main" id="{61C834A9-C221-A4B3-E1ED-AD23BB29D9EA}"/>
+              </a:ext>
+            </a:extLst>
+          </p:cNvPr>
+          <p:cNvPicPr>
+            <a:picLocks noChangeAspect="1"/>
+          </p:cNvPicPr>
+          <p:nvPr/>
+        </p:nvPicPr>
+        <p:blipFill>
+          <a:blip r:embed="rId25">
+            <a:extLst>
+              <a:ext uri="{28A0092B-C50C-407E-A947-70E740481C1C}">
+                <a14:useLocalDpi xmlns:a14="http://schemas.microsoft.com/office/drawing/2010/main" val="0"/>
+              </a:ext>
+              <a:ext uri="{96DAC541-7B7A-43D3-8B79-37D633B846F1}">
+                <asvg:svgBlip xmlns:asvg="http://schemas.microsoft.com/office/drawing/2016/SVG/main" r:embed="rId26"/>
+              </a:ext>
+            </a:extLst>
+          </a:blip>
+          <a:stretch>
+            <a:fillRect/>
+          </a:stretch>
+        </p:blipFill>
+        <p:spPr>
+          <a:xfrm>
+            <a:off x="202788" y="5313872"/>
+            <a:ext cx="772437" cy="772437"/>
+          </a:xfrm>
+          <a:prstGeom prst="rect">
+            <a:avLst/>
+          </a:prstGeom>
+        </p:spPr>
+      </p:pic>
+      <p:pic>
+        <p:nvPicPr>
+          <p:cNvPr id="3076" name="Picture 4" descr="Git - Logo Downloads">
+            <a:extLst>
+              <a:ext uri="{FF2B5EF4-FFF2-40B4-BE49-F238E27FC236}">
+                <a16:creationId xmlns:a16="http://schemas.microsoft.com/office/drawing/2014/main" id="{8D40F105-EE7C-2DF5-081C-1AAC13A93AB4}"/>
+              </a:ext>
+            </a:extLst>
+          </p:cNvPr>
+          <p:cNvPicPr>
+            <a:picLocks noChangeAspect="1" noChangeArrowheads="1"/>
+          </p:cNvPicPr>
+          <p:nvPr/>
+        </p:nvPicPr>
+        <p:blipFill>
+          <a:blip r:embed="rId27">
+            <a:extLst>
+              <a:ext uri="{28A0092B-C50C-407E-A947-70E740481C1C}">
+                <a14:useLocalDpi xmlns:a14="http://schemas.microsoft.com/office/drawing/2010/main" val="0"/>
+              </a:ext>
+            </a:extLst>
+          </a:blip>
+          <a:srcRect/>
+          <a:stretch>
+            <a:fillRect/>
+          </a:stretch>
+        </p:blipFill>
+        <p:spPr bwMode="auto">
+          <a:xfrm>
+            <a:off x="3355410" y="2071594"/>
+            <a:ext cx="1543247" cy="1543247"/>
+          </a:xfrm>
+          <a:prstGeom prst="rect">
+            <a:avLst/>
+          </a:prstGeom>
+          <a:noFill/>
+          <a:extLst>
+            <a:ext uri="{909E8E84-426E-40DD-AFC4-6F175D3DCCD1}">
+              <a14:hiddenFill xmlns:a14="http://schemas.microsoft.com/office/drawing/2010/main">
+                <a:solidFill>
+                  <a:srgbClr val="FFFFFF"/>
+                </a:solidFill>
+              </a14:hiddenFill>
+            </a:ext>
+          </a:extLst>
+        </p:spPr>
+      </p:pic>
+      <p:pic>
+        <p:nvPicPr>
+          <p:cNvPr id="3080" name="Picture 8" descr="Github Logo - Free social media icons">
+            <a:extLst>
+              <a:ext uri="{FF2B5EF4-FFF2-40B4-BE49-F238E27FC236}">
+                <a16:creationId xmlns:a16="http://schemas.microsoft.com/office/drawing/2014/main" id="{029115AA-97E2-1863-0C36-0A5006B603BD}"/>
+              </a:ext>
+            </a:extLst>
+          </p:cNvPr>
+          <p:cNvPicPr>
+            <a:picLocks noChangeAspect="1" noChangeArrowheads="1"/>
+          </p:cNvPicPr>
+          <p:nvPr/>
+        </p:nvPicPr>
+        <p:blipFill>
+          <a:blip r:embed="rId28">
+            <a:extLst>
+              <a:ext uri="{28A0092B-C50C-407E-A947-70E740481C1C}">
+                <a14:useLocalDpi xmlns:a14="http://schemas.microsoft.com/office/drawing/2010/main" val="0"/>
+              </a:ext>
+            </a:extLst>
+          </a:blip>
+          <a:srcRect/>
+          <a:stretch>
+            <a:fillRect/>
+          </a:stretch>
+        </p:blipFill>
+        <p:spPr bwMode="auto">
+          <a:xfrm>
+            <a:off x="5715715" y="2123560"/>
+            <a:ext cx="1439309" cy="1439309"/>
+          </a:xfrm>
+          <a:prstGeom prst="rect">
+            <a:avLst/>
+          </a:prstGeom>
+          <a:noFill/>
+          <a:extLst>
+            <a:ext uri="{909E8E84-426E-40DD-AFC4-6F175D3DCCD1}">
+              <a14:hiddenFill xmlns:a14="http://schemas.microsoft.com/office/drawing/2010/main">
+                <a:solidFill>
+                  <a:srgbClr val="FFFFFF"/>
+                </a:solidFill>
+              </a14:hiddenFill>
+            </a:ext>
+          </a:extLst>
+        </p:spPr>
+      </p:pic>
+      <p:pic>
+        <p:nvPicPr>
+          <p:cNvPr id="3090" name="Picture 18">
+            <a:extLst>
+              <a:ext uri="{FF2B5EF4-FFF2-40B4-BE49-F238E27FC236}">
+                <a16:creationId xmlns:a16="http://schemas.microsoft.com/office/drawing/2014/main" id="{B4C07ADB-58FE-F857-DA2F-EF79A54E1556}"/>
+              </a:ext>
+            </a:extLst>
+          </p:cNvPr>
+          <p:cNvPicPr>
+            <a:picLocks noChangeAspect="1" noChangeArrowheads="1"/>
+          </p:cNvPicPr>
+          <p:nvPr/>
+        </p:nvPicPr>
+        <p:blipFill>
+          <a:blip r:embed="rId29">
+            <a:extLst>
+              <a:ext uri="{28A0092B-C50C-407E-A947-70E740481C1C}">
+                <a14:useLocalDpi xmlns:a14="http://schemas.microsoft.com/office/drawing/2010/main" val="0"/>
+              </a:ext>
+            </a:extLst>
+          </a:blip>
+          <a:srcRect/>
+          <a:stretch>
+            <a:fillRect/>
+          </a:stretch>
+        </p:blipFill>
+        <p:spPr bwMode="auto">
+          <a:xfrm>
+            <a:off x="3459348" y="4162380"/>
+            <a:ext cx="1439309" cy="1439309"/>
+          </a:xfrm>
+          <a:prstGeom prst="rect">
+            <a:avLst/>
+          </a:prstGeom>
+          <a:noFill/>
+          <a:extLst>
+            <a:ext uri="{909E8E84-426E-40DD-AFC4-6F175D3DCCD1}">
+              <a14:hiddenFill xmlns:a14="http://schemas.microsoft.com/office/drawing/2010/main">
+                <a:solidFill>
+                  <a:srgbClr val="FFFFFF"/>
+                </a:solidFill>
+              </a14:hiddenFill>
+            </a:ext>
+          </a:extLst>
+        </p:spPr>
+      </p:pic>
+      <p:pic>
+        <p:nvPicPr>
+          <p:cNvPr id="1028" name="Picture 4" descr="illustrator Logo and symbol, meaning, history, PNG, brand">
+            <a:extLst>
+              <a:ext uri="{FF2B5EF4-FFF2-40B4-BE49-F238E27FC236}">
+                <a16:creationId xmlns:a16="http://schemas.microsoft.com/office/drawing/2014/main" id="{4F66527E-0E22-BDD0-2030-88D5AEF1CB1F}"/>
+              </a:ext>
+            </a:extLst>
+          </p:cNvPr>
+          <p:cNvPicPr>
+            <a:picLocks noChangeAspect="1" noChangeArrowheads="1"/>
+          </p:cNvPicPr>
+          <p:nvPr/>
+        </p:nvPicPr>
+        <p:blipFill>
+          <a:blip r:embed="rId30">
+            <a:extLst>
+              <a:ext uri="{28A0092B-C50C-407E-A947-70E740481C1C}">
+                <a14:useLocalDpi xmlns:a14="http://schemas.microsoft.com/office/drawing/2010/main" val="0"/>
+              </a:ext>
+            </a:extLst>
+          </a:blip>
+          <a:srcRect/>
+          <a:stretch>
+            <a:fillRect/>
+          </a:stretch>
+        </p:blipFill>
+        <p:spPr bwMode="auto">
+          <a:xfrm>
+            <a:off x="5272695" y="4100617"/>
+            <a:ext cx="2325350" cy="1452713"/>
+          </a:xfrm>
+          <a:prstGeom prst="rect">
+            <a:avLst/>
+          </a:prstGeom>
+          <a:noFill/>
+          <a:extLst>
+            <a:ext uri="{909E8E84-426E-40DD-AFC4-6F175D3DCCD1}">
+              <a14:hiddenFill xmlns:a14="http://schemas.microsoft.com/office/drawing/2010/main">
+                <a:solidFill>
+                  <a:srgbClr val="FFFFFF"/>
+                </a:solidFill>
+              </a14:hiddenFill>
+            </a:ext>
+          </a:extLst>
+        </p:spPr>
+      </p:pic>
+      <p:pic>
+        <p:nvPicPr>
+          <p:cNvPr id="15" name="Picture 14" descr="A blue logo with a black background&#10;&#10;Description automatically generated">
+            <a:extLst>
+              <a:ext uri="{FF2B5EF4-FFF2-40B4-BE49-F238E27FC236}">
+                <a16:creationId xmlns:a16="http://schemas.microsoft.com/office/drawing/2014/main" id="{34AB24F6-F435-F4E0-72EF-9F53AB9EE23C}"/>
+              </a:ext>
+            </a:extLst>
+          </p:cNvPr>
+          <p:cNvPicPr>
+            <a:picLocks noChangeAspect="1"/>
+          </p:cNvPicPr>
+          <p:nvPr/>
+        </p:nvPicPr>
+        <p:blipFill>
+          <a:blip r:embed="rId31">
+            <a:extLst>
+              <a:ext uri="{28A0092B-C50C-407E-A947-70E740481C1C}">
+                <a14:useLocalDpi xmlns:a14="http://schemas.microsoft.com/office/drawing/2010/main" val="0"/>
+              </a:ext>
+            </a:extLst>
+          </a:blip>
+          <a:stretch>
+            <a:fillRect/>
+          </a:stretch>
+        </p:blipFill>
+        <p:spPr>
+          <a:xfrm>
+            <a:off x="8024053" y="4006155"/>
+            <a:ext cx="1641639" cy="1641639"/>
+          </a:xfrm>
+          <a:prstGeom prst="rect">
+            <a:avLst/>
+          </a:prstGeom>
+        </p:spPr>
+      </p:pic>
+      <p:pic>
+        <p:nvPicPr>
+          <p:cNvPr id="1026" name="Picture 2" descr="postman&quot; Icon - Download for free – Iconduck">
+            <a:extLst>
+              <a:ext uri="{FF2B5EF4-FFF2-40B4-BE49-F238E27FC236}">
+                <a16:creationId xmlns:a16="http://schemas.microsoft.com/office/drawing/2014/main" id="{D154734F-5397-D52A-50A7-3817A740BB89}"/>
+              </a:ext>
+            </a:extLst>
+          </p:cNvPr>
+          <p:cNvPicPr>
+            <a:picLocks noChangeAspect="1" noChangeArrowheads="1"/>
+          </p:cNvPicPr>
+          <p:nvPr/>
+        </p:nvPicPr>
+        <p:blipFill>
+          <a:blip r:embed="rId32">
+            <a:extLst>
+              <a:ext uri="{28A0092B-C50C-407E-A947-70E740481C1C}">
+                <a14:useLocalDpi xmlns:a14="http://schemas.microsoft.com/office/drawing/2010/main" val="0"/>
+              </a:ext>
+            </a:extLst>
+          </a:blip>
+          <a:srcRect/>
+          <a:stretch>
+            <a:fillRect/>
+          </a:stretch>
+        </p:blipFill>
+        <p:spPr bwMode="auto">
+          <a:xfrm>
+            <a:off x="8024053" y="2001011"/>
+            <a:ext cx="1635062" cy="1684409"/>
+          </a:xfrm>
+          <a:prstGeom prst="rect">
+            <a:avLst/>
+          </a:prstGeom>
+          <a:noFill/>
+          <a:extLst>
+            <a:ext uri="{909E8E84-426E-40DD-AFC4-6F175D3DCCD1}">
+              <a14:hiddenFill xmlns:a14="http://schemas.microsoft.com/office/drawing/2010/main">
+                <a:solidFill>
+                  <a:srgbClr val="FFFFFF"/>
+                </a:solidFill>
+              </a14:hiddenFill>
+            </a:ext>
+          </a:extLst>
+        </p:spPr>
+      </p:pic>
+    </p:spTree>
+    <p:extLst>
+      <p:ext uri="{BB962C8B-B14F-4D97-AF65-F5344CB8AC3E}">
+        <p14:creationId xmlns:p14="http://schemas.microsoft.com/office/powerpoint/2010/main" val="1298631190"/>
+      </p:ext>
+    </p:extLst>
+  </p:cSld>
+  <p:clrMapOvr>
+    <a:masterClrMapping/>
+  </p:clrMapOvr>
+  <mc:AlternateContent xmlns:mc="http://schemas.openxmlformats.org/markup-compatibility/2006" xmlns:p159="http://schemas.microsoft.com/office/powerpoint/2015/09/main">
+    <mc:Choice Requires="p159">
+      <p:transition>
+        <p159:morph option="byObject"/>
+      </p:transition>
+    </mc:Choice>
+    <mc:Fallback xmlns="">
+      <p:transition>
+        <p:fade/>
+      </p:transition>
+    </mc:Fallback>
+  </mc:AlternateContent>
+</p:sld>
+</file>
+
+<file path=ppt/slides/slide6.xml><?xml version="1.0" encoding="utf-8"?>
+<p:sld xmlns:a="http://schemas.openxmlformats.org/drawingml/2006/main" xmlns:r="http://schemas.openxmlformats.org/officeDocument/2006/relationships" xmlns:p="http://schemas.openxmlformats.org/presentationml/2006/main">
+  <p:cSld>
+    <p:bg>
+      <p:bgPr>
+        <a:solidFill>
+          <a:srgbClr val="A6B1E1"/>
+        </a:solidFill>
+        <a:effectLst/>
+      </p:bgPr>
+    </p:bg>
+    <p:spTree>
+      <p:nvGrpSpPr>
+        <p:cNvPr id="1" name="">
+          <a:extLst>
+            <a:ext uri="{FF2B5EF4-FFF2-40B4-BE49-F238E27FC236}">
+              <a16:creationId xmlns:a16="http://schemas.microsoft.com/office/drawing/2014/main" id="{D0EB5C61-58CB-B4F2-B3CE-1AE7204B2B4B}"/>
+            </a:ext>
+          </a:extLst>
+        </p:cNvPr>
+        <p:cNvGrpSpPr/>
+        <p:nvPr/>
+      </p:nvGrpSpPr>
+      <p:grpSpPr>
+        <a:xfrm>
+          <a:off x="0" y="0"/>
+          <a:ext cx="0" cy="0"/>
+          <a:chOff x="0" y="0"/>
+          <a:chExt cx="0" cy="0"/>
+        </a:xfrm>
+      </p:grpSpPr>
+      <p:sp>
+        <p:nvSpPr>
+          <p:cNvPr id="2" name="Title 1">
+            <a:extLst>
+              <a:ext uri="{FF2B5EF4-FFF2-40B4-BE49-F238E27FC236}">
+                <a16:creationId xmlns:a16="http://schemas.microsoft.com/office/drawing/2014/main" id="{AC117358-71D4-BF2E-AAF6-F1A9BB0FC74E}"/>
+              </a:ext>
+            </a:extLst>
+          </p:cNvPr>
+          <p:cNvSpPr>
+            <a:spLocks noGrp="1"/>
+          </p:cNvSpPr>
+          <p:nvPr>
+            <p:ph type="ctrTitle"/>
+          </p:nvPr>
+        </p:nvSpPr>
+        <p:spPr>
+          <a:xfrm>
+            <a:off x="2470840" y="378267"/>
+            <a:ext cx="8153448" cy="966668"/>
+          </a:xfrm>
+        </p:spPr>
+        <p:txBody>
+          <a:bodyPr>
+            <a:noAutofit/>
+          </a:bodyPr>
+          <a:lstStyle/>
+          <a:p>
+            <a:r>
+              <a:rPr lang="bg-BG" sz="4400" dirty="0">
+                <a:latin typeface="Helvetica" panose="020B0604020202020204" pitchFamily="34" charset="0"/>
+                <a:cs typeface="Helvetica" panose="020B0604020202020204" pitchFamily="34" charset="0"/>
+              </a:rPr>
+              <a:t>Използвани езици и допълнения към тях</a:t>
+            </a:r>
+            <a:r>
+              <a:rPr lang="en-US" sz="4400" dirty="0">
+                <a:latin typeface="Helvetica" panose="020B0604020202020204" pitchFamily="34" charset="0"/>
+                <a:cs typeface="Helvetica" panose="020B0604020202020204" pitchFamily="34" charset="0"/>
+              </a:rPr>
+              <a:t> </a:t>
+            </a:r>
+          </a:p>
+        </p:txBody>
+      </p:sp>
+      <p:sp>
+        <p:nvSpPr>
+          <p:cNvPr id="3" name="Freeform: Shape 2">
+            <a:extLst>
+              <a:ext uri="{FF2B5EF4-FFF2-40B4-BE49-F238E27FC236}">
+                <a16:creationId xmlns:a16="http://schemas.microsoft.com/office/drawing/2014/main" id="{89791DBF-7114-65DA-35ED-0998526788C4}"/>
+              </a:ext>
+            </a:extLst>
+          </p:cNvPr>
+          <p:cNvSpPr/>
+          <p:nvPr/>
+        </p:nvSpPr>
+        <p:spPr>
+          <a:xfrm rot="5400000" flipV="1">
+            <a:off x="-6629583" y="4038658"/>
+            <a:ext cx="14439899" cy="1215958"/>
+          </a:xfrm>
+          <a:custGeom>
+            <a:avLst/>
+            <a:gdLst>
+              <a:gd name="connsiteX0" fmla="*/ 0 w 14439899"/>
+              <a:gd name="connsiteY0" fmla="*/ 1215958 h 1215958"/>
+              <a:gd name="connsiteX1" fmla="*/ 6463406 w 14439899"/>
+              <a:gd name="connsiteY1" fmla="*/ 1215958 h 1215958"/>
+              <a:gd name="connsiteX2" fmla="*/ 7206356 w 14439899"/>
+              <a:gd name="connsiteY2" fmla="*/ 549768 h 1215958"/>
+              <a:gd name="connsiteX3" fmla="*/ 7949305 w 14439899"/>
+              <a:gd name="connsiteY3" fmla="*/ 1215958 h 1215958"/>
+              <a:gd name="connsiteX4" fmla="*/ 14439899 w 14439899"/>
+              <a:gd name="connsiteY4" fmla="*/ 1215958 h 1215958"/>
+              <a:gd name="connsiteX5" fmla="*/ 14439899 w 14439899"/>
+              <a:gd name="connsiteY5" fmla="*/ 0 h 1215958"/>
+              <a:gd name="connsiteX6" fmla="*/ 0 w 14439899"/>
+              <a:gd name="connsiteY6" fmla="*/ 0 h 1215958"/>
+              <a:gd name="connsiteX7" fmla="*/ 6463405 w 14439899"/>
+              <a:gd name="connsiteY7" fmla="*/ 1215958 h 1215958"/>
+              <a:gd name="connsiteX8" fmla="*/ 7949305 w 14439899"/>
+              <a:gd name="connsiteY8" fmla="*/ 1215958 h 1215958"/>
+              <a:gd name="connsiteX9" fmla="*/ 7949305 w 14439899"/>
+              <a:gd name="connsiteY9" fmla="*/ 1215958 h 1215958"/>
+              <a:gd name="connsiteX10" fmla="*/ 6463406 w 14439899"/>
+              <a:gd name="connsiteY10" fmla="*/ 1215958 h 1215958"/>
+              <a:gd name="connsiteX0" fmla="*/ 0 w 14439899"/>
+              <a:gd name="connsiteY0" fmla="*/ 1215958 h 1215958"/>
+              <a:gd name="connsiteX1" fmla="*/ 6463406 w 14439899"/>
+              <a:gd name="connsiteY1" fmla="*/ 1215958 h 1215958"/>
+              <a:gd name="connsiteX2" fmla="*/ 7206356 w 14439899"/>
+              <a:gd name="connsiteY2" fmla="*/ 549768 h 1215958"/>
+              <a:gd name="connsiteX3" fmla="*/ 7949305 w 14439899"/>
+              <a:gd name="connsiteY3" fmla="*/ 1215958 h 1215958"/>
+              <a:gd name="connsiteX4" fmla="*/ 14439899 w 14439899"/>
+              <a:gd name="connsiteY4" fmla="*/ 1215958 h 1215958"/>
+              <a:gd name="connsiteX5" fmla="*/ 14439899 w 14439899"/>
+              <a:gd name="connsiteY5" fmla="*/ 0 h 1215958"/>
+              <a:gd name="connsiteX6" fmla="*/ 0 w 14439899"/>
+              <a:gd name="connsiteY6" fmla="*/ 0 h 1215958"/>
+              <a:gd name="connsiteX7" fmla="*/ 0 w 14439899"/>
+              <a:gd name="connsiteY7" fmla="*/ 1215958 h 1215958"/>
+              <a:gd name="connsiteX8" fmla="*/ 6463405 w 14439899"/>
+              <a:gd name="connsiteY8" fmla="*/ 1215958 h 1215958"/>
+              <a:gd name="connsiteX9" fmla="*/ 7949305 w 14439899"/>
+              <a:gd name="connsiteY9" fmla="*/ 1215958 h 1215958"/>
+              <a:gd name="connsiteX10" fmla="*/ 7949305 w 14439899"/>
+              <a:gd name="connsiteY10" fmla="*/ 1215958 h 1215958"/>
+              <a:gd name="connsiteX11" fmla="*/ 6463406 w 14439899"/>
+              <a:gd name="connsiteY11" fmla="*/ 1215958 h 1215958"/>
+              <a:gd name="connsiteX12" fmla="*/ 6463405 w 14439899"/>
+              <a:gd name="connsiteY12" fmla="*/ 1215958 h 1215958"/>
+              <a:gd name="connsiteX0" fmla="*/ 0 w 14439899"/>
+              <a:gd name="connsiteY0" fmla="*/ 1215958 h 1215958"/>
+              <a:gd name="connsiteX1" fmla="*/ 6463406 w 14439899"/>
+              <a:gd name="connsiteY1" fmla="*/ 1215958 h 1215958"/>
+              <a:gd name="connsiteX2" fmla="*/ 7225406 w 14439899"/>
+              <a:gd name="connsiteY2" fmla="*/ 552149 h 1215958"/>
+              <a:gd name="connsiteX3" fmla="*/ 7949305 w 14439899"/>
+              <a:gd name="connsiteY3" fmla="*/ 1215958 h 1215958"/>
+              <a:gd name="connsiteX4" fmla="*/ 14439899 w 14439899"/>
+              <a:gd name="connsiteY4" fmla="*/ 1215958 h 1215958"/>
+              <a:gd name="connsiteX5" fmla="*/ 14439899 w 14439899"/>
+              <a:gd name="connsiteY5" fmla="*/ 0 h 1215958"/>
+              <a:gd name="connsiteX6" fmla="*/ 0 w 14439899"/>
+              <a:gd name="connsiteY6" fmla="*/ 0 h 1215958"/>
+              <a:gd name="connsiteX7" fmla="*/ 0 w 14439899"/>
+              <a:gd name="connsiteY7" fmla="*/ 1215958 h 1215958"/>
+              <a:gd name="connsiteX8" fmla="*/ 6463405 w 14439899"/>
+              <a:gd name="connsiteY8" fmla="*/ 1215958 h 1215958"/>
+              <a:gd name="connsiteX9" fmla="*/ 7949305 w 14439899"/>
+              <a:gd name="connsiteY9" fmla="*/ 1215958 h 1215958"/>
+              <a:gd name="connsiteX10" fmla="*/ 7949305 w 14439899"/>
+              <a:gd name="connsiteY10" fmla="*/ 1215958 h 1215958"/>
+              <a:gd name="connsiteX11" fmla="*/ 6463406 w 14439899"/>
+              <a:gd name="connsiteY11" fmla="*/ 1215958 h 1215958"/>
+              <a:gd name="connsiteX12" fmla="*/ 6463405 w 14439899"/>
+              <a:gd name="connsiteY12" fmla="*/ 1215958 h 1215958"/>
+              <a:gd name="connsiteX0" fmla="*/ 0 w 14439899"/>
+              <a:gd name="connsiteY0" fmla="*/ 1215958 h 1215958"/>
+              <a:gd name="connsiteX1" fmla="*/ 6463406 w 14439899"/>
+              <a:gd name="connsiteY1" fmla="*/ 1215958 h 1215958"/>
+              <a:gd name="connsiteX2" fmla="*/ 7223025 w 14439899"/>
+              <a:gd name="connsiteY2" fmla="*/ 552149 h 1215958"/>
+              <a:gd name="connsiteX3" fmla="*/ 7949305 w 14439899"/>
+              <a:gd name="connsiteY3" fmla="*/ 1215958 h 1215958"/>
+              <a:gd name="connsiteX4" fmla="*/ 14439899 w 14439899"/>
+              <a:gd name="connsiteY4" fmla="*/ 1215958 h 1215958"/>
+              <a:gd name="connsiteX5" fmla="*/ 14439899 w 14439899"/>
+              <a:gd name="connsiteY5" fmla="*/ 0 h 1215958"/>
+              <a:gd name="connsiteX6" fmla="*/ 0 w 14439899"/>
+              <a:gd name="connsiteY6" fmla="*/ 0 h 1215958"/>
+              <a:gd name="connsiteX7" fmla="*/ 0 w 14439899"/>
+              <a:gd name="connsiteY7" fmla="*/ 1215958 h 1215958"/>
+              <a:gd name="connsiteX8" fmla="*/ 6463405 w 14439899"/>
+              <a:gd name="connsiteY8" fmla="*/ 1215958 h 1215958"/>
+              <a:gd name="connsiteX9" fmla="*/ 7949305 w 14439899"/>
+              <a:gd name="connsiteY9" fmla="*/ 1215958 h 1215958"/>
+              <a:gd name="connsiteX10" fmla="*/ 7949305 w 14439899"/>
+              <a:gd name="connsiteY10" fmla="*/ 1215958 h 1215958"/>
+              <a:gd name="connsiteX11" fmla="*/ 6463406 w 14439899"/>
+              <a:gd name="connsiteY11" fmla="*/ 1215958 h 1215958"/>
+              <a:gd name="connsiteX12" fmla="*/ 6463405 w 14439899"/>
+              <a:gd name="connsiteY12" fmla="*/ 1215958 h 1215958"/>
+              <a:gd name="connsiteX0" fmla="*/ 0 w 14439899"/>
+              <a:gd name="connsiteY0" fmla="*/ 1215958 h 1215958"/>
+              <a:gd name="connsiteX1" fmla="*/ 6463406 w 14439899"/>
+              <a:gd name="connsiteY1" fmla="*/ 1215958 h 1215958"/>
+              <a:gd name="connsiteX2" fmla="*/ 7220643 w 14439899"/>
+              <a:gd name="connsiteY2" fmla="*/ 552149 h 1215958"/>
+              <a:gd name="connsiteX3" fmla="*/ 7949305 w 14439899"/>
+              <a:gd name="connsiteY3" fmla="*/ 1215958 h 1215958"/>
+              <a:gd name="connsiteX4" fmla="*/ 14439899 w 14439899"/>
+              <a:gd name="connsiteY4" fmla="*/ 1215958 h 1215958"/>
+              <a:gd name="connsiteX5" fmla="*/ 14439899 w 14439899"/>
+              <a:gd name="connsiteY5" fmla="*/ 0 h 1215958"/>
+              <a:gd name="connsiteX6" fmla="*/ 0 w 14439899"/>
+              <a:gd name="connsiteY6" fmla="*/ 0 h 1215958"/>
+              <a:gd name="connsiteX7" fmla="*/ 0 w 14439899"/>
+              <a:gd name="connsiteY7" fmla="*/ 1215958 h 1215958"/>
+              <a:gd name="connsiteX8" fmla="*/ 6463405 w 14439899"/>
+              <a:gd name="connsiteY8" fmla="*/ 1215958 h 1215958"/>
+              <a:gd name="connsiteX9" fmla="*/ 7949305 w 14439899"/>
+              <a:gd name="connsiteY9" fmla="*/ 1215958 h 1215958"/>
+              <a:gd name="connsiteX10" fmla="*/ 7949305 w 14439899"/>
+              <a:gd name="connsiteY10" fmla="*/ 1215958 h 1215958"/>
+              <a:gd name="connsiteX11" fmla="*/ 6463406 w 14439899"/>
+              <a:gd name="connsiteY11" fmla="*/ 1215958 h 1215958"/>
+              <a:gd name="connsiteX12" fmla="*/ 6463405 w 14439899"/>
+              <a:gd name="connsiteY12" fmla="*/ 1215958 h 1215958"/>
+              <a:gd name="connsiteX0" fmla="*/ 0 w 14439899"/>
+              <a:gd name="connsiteY0" fmla="*/ 1215958 h 1215958"/>
+              <a:gd name="connsiteX1" fmla="*/ 6463406 w 14439899"/>
+              <a:gd name="connsiteY1" fmla="*/ 1215958 h 1215958"/>
+              <a:gd name="connsiteX2" fmla="*/ 7220643 w 14439899"/>
+              <a:gd name="connsiteY2" fmla="*/ 552149 h 1215958"/>
+              <a:gd name="connsiteX3" fmla="*/ 7949305 w 14439899"/>
+              <a:gd name="connsiteY3" fmla="*/ 1215958 h 1215958"/>
+              <a:gd name="connsiteX4" fmla="*/ 14439899 w 14439899"/>
+              <a:gd name="connsiteY4" fmla="*/ 1215958 h 1215958"/>
+              <a:gd name="connsiteX5" fmla="*/ 14439899 w 14439899"/>
+              <a:gd name="connsiteY5" fmla="*/ 0 h 1215958"/>
+              <a:gd name="connsiteX6" fmla="*/ 0 w 14439899"/>
+              <a:gd name="connsiteY6" fmla="*/ 0 h 1215958"/>
+              <a:gd name="connsiteX7" fmla="*/ 0 w 14439899"/>
+              <a:gd name="connsiteY7" fmla="*/ 1215958 h 1215958"/>
+              <a:gd name="connsiteX8" fmla="*/ 6463405 w 14439899"/>
+              <a:gd name="connsiteY8" fmla="*/ 1215958 h 1215958"/>
+              <a:gd name="connsiteX9" fmla="*/ 7949305 w 14439899"/>
+              <a:gd name="connsiteY9" fmla="*/ 1215958 h 1215958"/>
+              <a:gd name="connsiteX10" fmla="*/ 7949305 w 14439899"/>
+              <a:gd name="connsiteY10" fmla="*/ 1215958 h 1215958"/>
+              <a:gd name="connsiteX11" fmla="*/ 6463406 w 14439899"/>
+              <a:gd name="connsiteY11" fmla="*/ 1215958 h 1215958"/>
+              <a:gd name="connsiteX12" fmla="*/ 6463405 w 14439899"/>
+              <a:gd name="connsiteY12" fmla="*/ 1215958 h 1215958"/>
+              <a:gd name="connsiteX0" fmla="*/ 0 w 14439899"/>
+              <a:gd name="connsiteY0" fmla="*/ 1215958 h 1215958"/>
+              <a:gd name="connsiteX1" fmla="*/ 6463406 w 14439899"/>
+              <a:gd name="connsiteY1" fmla="*/ 1215958 h 1215958"/>
+              <a:gd name="connsiteX2" fmla="*/ 7220643 w 14439899"/>
+              <a:gd name="connsiteY2" fmla="*/ 552149 h 1215958"/>
+              <a:gd name="connsiteX3" fmla="*/ 7949305 w 14439899"/>
+              <a:gd name="connsiteY3" fmla="*/ 1215958 h 1215958"/>
+              <a:gd name="connsiteX4" fmla="*/ 14439899 w 14439899"/>
+              <a:gd name="connsiteY4" fmla="*/ 1215958 h 1215958"/>
+              <a:gd name="connsiteX5" fmla="*/ 14439899 w 14439899"/>
+              <a:gd name="connsiteY5" fmla="*/ 0 h 1215958"/>
+              <a:gd name="connsiteX6" fmla="*/ 0 w 14439899"/>
+              <a:gd name="connsiteY6" fmla="*/ 0 h 1215958"/>
+              <a:gd name="connsiteX7" fmla="*/ 0 w 14439899"/>
+              <a:gd name="connsiteY7" fmla="*/ 1215958 h 1215958"/>
+              <a:gd name="connsiteX8" fmla="*/ 6463405 w 14439899"/>
+              <a:gd name="connsiteY8" fmla="*/ 1215958 h 1215958"/>
+              <a:gd name="connsiteX9" fmla="*/ 7949305 w 14439899"/>
+              <a:gd name="connsiteY9" fmla="*/ 1215958 h 1215958"/>
+              <a:gd name="connsiteX10" fmla="*/ 7949305 w 14439899"/>
+              <a:gd name="connsiteY10" fmla="*/ 1215958 h 1215958"/>
+              <a:gd name="connsiteX11" fmla="*/ 6463406 w 14439899"/>
+              <a:gd name="connsiteY11" fmla="*/ 1215958 h 1215958"/>
+              <a:gd name="connsiteX12" fmla="*/ 6463405 w 14439899"/>
+              <a:gd name="connsiteY12" fmla="*/ 1215958 h 1215958"/>
+              <a:gd name="connsiteX0" fmla="*/ 0 w 14439899"/>
+              <a:gd name="connsiteY0" fmla="*/ 1215958 h 1215958"/>
+              <a:gd name="connsiteX1" fmla="*/ 6463406 w 14439899"/>
+              <a:gd name="connsiteY1" fmla="*/ 1215958 h 1215958"/>
+              <a:gd name="connsiteX2" fmla="*/ 7220643 w 14439899"/>
+              <a:gd name="connsiteY2" fmla="*/ 552149 h 1215958"/>
+              <a:gd name="connsiteX3" fmla="*/ 7949305 w 14439899"/>
+              <a:gd name="connsiteY3" fmla="*/ 1215958 h 1215958"/>
+              <a:gd name="connsiteX4" fmla="*/ 14439899 w 14439899"/>
+              <a:gd name="connsiteY4" fmla="*/ 1215958 h 1215958"/>
+              <a:gd name="connsiteX5" fmla="*/ 14439899 w 14439899"/>
+              <a:gd name="connsiteY5" fmla="*/ 0 h 1215958"/>
+              <a:gd name="connsiteX6" fmla="*/ 0 w 14439899"/>
+              <a:gd name="connsiteY6" fmla="*/ 0 h 1215958"/>
+              <a:gd name="connsiteX7" fmla="*/ 0 w 14439899"/>
+              <a:gd name="connsiteY7" fmla="*/ 1215958 h 1215958"/>
+              <a:gd name="connsiteX8" fmla="*/ 6463405 w 14439899"/>
+              <a:gd name="connsiteY8" fmla="*/ 1215958 h 1215958"/>
+              <a:gd name="connsiteX9" fmla="*/ 7949305 w 14439899"/>
+              <a:gd name="connsiteY9" fmla="*/ 1215958 h 1215958"/>
+              <a:gd name="connsiteX10" fmla="*/ 7949305 w 14439899"/>
+              <a:gd name="connsiteY10" fmla="*/ 1215958 h 1215958"/>
+              <a:gd name="connsiteX11" fmla="*/ 6463406 w 14439899"/>
+              <a:gd name="connsiteY11" fmla="*/ 1215958 h 1215958"/>
+              <a:gd name="connsiteX12" fmla="*/ 6463405 w 14439899"/>
+              <a:gd name="connsiteY12" fmla="*/ 1215958 h 1215958"/>
+              <a:gd name="connsiteX0" fmla="*/ 0 w 14439899"/>
+              <a:gd name="connsiteY0" fmla="*/ 1215958 h 1215958"/>
+              <a:gd name="connsiteX1" fmla="*/ 6463406 w 14439899"/>
+              <a:gd name="connsiteY1" fmla="*/ 1215958 h 1215958"/>
+              <a:gd name="connsiteX2" fmla="*/ 7220643 w 14439899"/>
+              <a:gd name="connsiteY2" fmla="*/ 552149 h 1215958"/>
+              <a:gd name="connsiteX3" fmla="*/ 7949305 w 14439899"/>
+              <a:gd name="connsiteY3" fmla="*/ 1215958 h 1215958"/>
+              <a:gd name="connsiteX4" fmla="*/ 14439899 w 14439899"/>
+              <a:gd name="connsiteY4" fmla="*/ 1215958 h 1215958"/>
+              <a:gd name="connsiteX5" fmla="*/ 14439899 w 14439899"/>
+              <a:gd name="connsiteY5" fmla="*/ 0 h 1215958"/>
+              <a:gd name="connsiteX6" fmla="*/ 0 w 14439899"/>
+              <a:gd name="connsiteY6" fmla="*/ 0 h 1215958"/>
+              <a:gd name="connsiteX7" fmla="*/ 0 w 14439899"/>
+              <a:gd name="connsiteY7" fmla="*/ 1215958 h 1215958"/>
+              <a:gd name="connsiteX8" fmla="*/ 6463405 w 14439899"/>
+              <a:gd name="connsiteY8" fmla="*/ 1215958 h 1215958"/>
+              <a:gd name="connsiteX9" fmla="*/ 7949305 w 14439899"/>
+              <a:gd name="connsiteY9" fmla="*/ 1215958 h 1215958"/>
+              <a:gd name="connsiteX10" fmla="*/ 7949305 w 14439899"/>
+              <a:gd name="connsiteY10" fmla="*/ 1215958 h 1215958"/>
+              <a:gd name="connsiteX11" fmla="*/ 6463406 w 14439899"/>
+              <a:gd name="connsiteY11" fmla="*/ 1215958 h 1215958"/>
+              <a:gd name="connsiteX12" fmla="*/ 6463405 w 14439899"/>
+              <a:gd name="connsiteY12" fmla="*/ 1215958 h 1215958"/>
+              <a:gd name="connsiteX0" fmla="*/ 0 w 14439899"/>
+              <a:gd name="connsiteY0" fmla="*/ 1215958 h 1215958"/>
+              <a:gd name="connsiteX1" fmla="*/ 6463406 w 14439899"/>
+              <a:gd name="connsiteY1" fmla="*/ 1215958 h 1215958"/>
+              <a:gd name="connsiteX2" fmla="*/ 7220643 w 14439899"/>
+              <a:gd name="connsiteY2" fmla="*/ 552149 h 1215958"/>
+              <a:gd name="connsiteX3" fmla="*/ 7949305 w 14439899"/>
+              <a:gd name="connsiteY3" fmla="*/ 1215958 h 1215958"/>
+              <a:gd name="connsiteX4" fmla="*/ 14439899 w 14439899"/>
+              <a:gd name="connsiteY4" fmla="*/ 1215958 h 1215958"/>
+              <a:gd name="connsiteX5" fmla="*/ 14439899 w 14439899"/>
+              <a:gd name="connsiteY5" fmla="*/ 0 h 1215958"/>
+              <a:gd name="connsiteX6" fmla="*/ 0 w 14439899"/>
+              <a:gd name="connsiteY6" fmla="*/ 0 h 1215958"/>
+              <a:gd name="connsiteX7" fmla="*/ 0 w 14439899"/>
+              <a:gd name="connsiteY7" fmla="*/ 1215958 h 1215958"/>
+              <a:gd name="connsiteX8" fmla="*/ 6463405 w 14439899"/>
+              <a:gd name="connsiteY8" fmla="*/ 1215958 h 1215958"/>
+              <a:gd name="connsiteX9" fmla="*/ 7949305 w 14439899"/>
+              <a:gd name="connsiteY9" fmla="*/ 1215958 h 1215958"/>
+              <a:gd name="connsiteX10" fmla="*/ 7949305 w 14439899"/>
+              <a:gd name="connsiteY10" fmla="*/ 1215958 h 1215958"/>
+              <a:gd name="connsiteX11" fmla="*/ 6463406 w 14439899"/>
+              <a:gd name="connsiteY11" fmla="*/ 1215958 h 1215958"/>
+              <a:gd name="connsiteX12" fmla="*/ 6463405 w 14439899"/>
+              <a:gd name="connsiteY12" fmla="*/ 1215958 h 1215958"/>
+              <a:gd name="connsiteX0" fmla="*/ 0 w 14439899"/>
+              <a:gd name="connsiteY0" fmla="*/ 1215958 h 1218339"/>
+              <a:gd name="connsiteX1" fmla="*/ 6463406 w 14439899"/>
+              <a:gd name="connsiteY1" fmla="*/ 1215958 h 1218339"/>
+              <a:gd name="connsiteX2" fmla="*/ 7220643 w 14439899"/>
+              <a:gd name="connsiteY2" fmla="*/ 552149 h 1218339"/>
+              <a:gd name="connsiteX3" fmla="*/ 7949305 w 14439899"/>
+              <a:gd name="connsiteY3" fmla="*/ 1215958 h 1218339"/>
+              <a:gd name="connsiteX4" fmla="*/ 14439899 w 14439899"/>
+              <a:gd name="connsiteY4" fmla="*/ 1215958 h 1218339"/>
+              <a:gd name="connsiteX5" fmla="*/ 14439899 w 14439899"/>
+              <a:gd name="connsiteY5" fmla="*/ 0 h 1218339"/>
+              <a:gd name="connsiteX6" fmla="*/ 0 w 14439899"/>
+              <a:gd name="connsiteY6" fmla="*/ 0 h 1218339"/>
+              <a:gd name="connsiteX7" fmla="*/ 0 w 14439899"/>
+              <a:gd name="connsiteY7" fmla="*/ 1215958 h 1218339"/>
+              <a:gd name="connsiteX8" fmla="*/ 7068243 w 14439899"/>
+              <a:gd name="connsiteY8" fmla="*/ 1218339 h 1218339"/>
+              <a:gd name="connsiteX9" fmla="*/ 7949305 w 14439899"/>
+              <a:gd name="connsiteY9" fmla="*/ 1215958 h 1218339"/>
+              <a:gd name="connsiteX10" fmla="*/ 7949305 w 14439899"/>
+              <a:gd name="connsiteY10" fmla="*/ 1215958 h 1218339"/>
+              <a:gd name="connsiteX11" fmla="*/ 6463406 w 14439899"/>
+              <a:gd name="connsiteY11" fmla="*/ 1215958 h 1218339"/>
+              <a:gd name="connsiteX12" fmla="*/ 7068243 w 14439899"/>
+              <a:gd name="connsiteY12" fmla="*/ 1218339 h 1218339"/>
+              <a:gd name="connsiteX0" fmla="*/ 0 w 14439899"/>
+              <a:gd name="connsiteY0" fmla="*/ 1215958 h 1215958"/>
+              <a:gd name="connsiteX1" fmla="*/ 6463406 w 14439899"/>
+              <a:gd name="connsiteY1" fmla="*/ 1215958 h 1215958"/>
+              <a:gd name="connsiteX2" fmla="*/ 7220643 w 14439899"/>
+              <a:gd name="connsiteY2" fmla="*/ 552149 h 1215958"/>
+              <a:gd name="connsiteX3" fmla="*/ 7949305 w 14439899"/>
+              <a:gd name="connsiteY3" fmla="*/ 1215958 h 1215958"/>
+              <a:gd name="connsiteX4" fmla="*/ 14439899 w 14439899"/>
+              <a:gd name="connsiteY4" fmla="*/ 1215958 h 1215958"/>
+              <a:gd name="connsiteX5" fmla="*/ 14439899 w 14439899"/>
+              <a:gd name="connsiteY5" fmla="*/ 0 h 1215958"/>
+              <a:gd name="connsiteX6" fmla="*/ 0 w 14439899"/>
+              <a:gd name="connsiteY6" fmla="*/ 0 h 1215958"/>
+              <a:gd name="connsiteX7" fmla="*/ 0 w 14439899"/>
+              <a:gd name="connsiteY7" fmla="*/ 1215958 h 1215958"/>
+              <a:gd name="connsiteX8" fmla="*/ 7070625 w 14439899"/>
+              <a:gd name="connsiteY8" fmla="*/ 1020695 h 1215958"/>
+              <a:gd name="connsiteX9" fmla="*/ 7949305 w 14439899"/>
+              <a:gd name="connsiteY9" fmla="*/ 1215958 h 1215958"/>
+              <a:gd name="connsiteX10" fmla="*/ 7949305 w 14439899"/>
+              <a:gd name="connsiteY10" fmla="*/ 1215958 h 1215958"/>
+              <a:gd name="connsiteX11" fmla="*/ 6463406 w 14439899"/>
+              <a:gd name="connsiteY11" fmla="*/ 1215958 h 1215958"/>
+              <a:gd name="connsiteX12" fmla="*/ 7070625 w 14439899"/>
+              <a:gd name="connsiteY12" fmla="*/ 1020695 h 1215958"/>
+              <a:gd name="connsiteX0" fmla="*/ 0 w 14439899"/>
+              <a:gd name="connsiteY0" fmla="*/ 1215958 h 1215958"/>
+              <a:gd name="connsiteX1" fmla="*/ 6463406 w 14439899"/>
+              <a:gd name="connsiteY1" fmla="*/ 1215958 h 1215958"/>
+              <a:gd name="connsiteX2" fmla="*/ 7220643 w 14439899"/>
+              <a:gd name="connsiteY2" fmla="*/ 552149 h 1215958"/>
+              <a:gd name="connsiteX3" fmla="*/ 7949305 w 14439899"/>
+              <a:gd name="connsiteY3" fmla="*/ 1215958 h 1215958"/>
+              <a:gd name="connsiteX4" fmla="*/ 14439899 w 14439899"/>
+              <a:gd name="connsiteY4" fmla="*/ 1215958 h 1215958"/>
+              <a:gd name="connsiteX5" fmla="*/ 14439899 w 14439899"/>
+              <a:gd name="connsiteY5" fmla="*/ 0 h 1215958"/>
+              <a:gd name="connsiteX6" fmla="*/ 0 w 14439899"/>
+              <a:gd name="connsiteY6" fmla="*/ 0 h 1215958"/>
+              <a:gd name="connsiteX7" fmla="*/ 0 w 14439899"/>
+              <a:gd name="connsiteY7" fmla="*/ 1215958 h 1215958"/>
+              <a:gd name="connsiteX8" fmla="*/ 7218262 w 14439899"/>
+              <a:gd name="connsiteY8" fmla="*/ 1213576 h 1215958"/>
+              <a:gd name="connsiteX9" fmla="*/ 7949305 w 14439899"/>
+              <a:gd name="connsiteY9" fmla="*/ 1215958 h 1215958"/>
+              <a:gd name="connsiteX10" fmla="*/ 7949305 w 14439899"/>
+              <a:gd name="connsiteY10" fmla="*/ 1215958 h 1215958"/>
+              <a:gd name="connsiteX11" fmla="*/ 6463406 w 14439899"/>
+              <a:gd name="connsiteY11" fmla="*/ 1215958 h 1215958"/>
+              <a:gd name="connsiteX12" fmla="*/ 7218262 w 14439899"/>
+              <a:gd name="connsiteY12" fmla="*/ 1213576 h 1215958"/>
+              <a:gd name="connsiteX0" fmla="*/ 0 w 14439899"/>
+              <a:gd name="connsiteY0" fmla="*/ 1215958 h 1215958"/>
+              <a:gd name="connsiteX1" fmla="*/ 6463406 w 14439899"/>
+              <a:gd name="connsiteY1" fmla="*/ 1215958 h 1215958"/>
+              <a:gd name="connsiteX2" fmla="*/ 7220643 w 14439899"/>
+              <a:gd name="connsiteY2" fmla="*/ 552149 h 1215958"/>
+              <a:gd name="connsiteX3" fmla="*/ 7949305 w 14439899"/>
+              <a:gd name="connsiteY3" fmla="*/ 1215958 h 1215958"/>
+              <a:gd name="connsiteX4" fmla="*/ 14439899 w 14439899"/>
+              <a:gd name="connsiteY4" fmla="*/ 1215958 h 1215958"/>
+              <a:gd name="connsiteX5" fmla="*/ 14439899 w 14439899"/>
+              <a:gd name="connsiteY5" fmla="*/ 0 h 1215958"/>
+              <a:gd name="connsiteX6" fmla="*/ 0 w 14439899"/>
+              <a:gd name="connsiteY6" fmla="*/ 0 h 1215958"/>
+              <a:gd name="connsiteX7" fmla="*/ 0 w 14439899"/>
+              <a:gd name="connsiteY7" fmla="*/ 1215958 h 1215958"/>
+              <a:gd name="connsiteX8" fmla="*/ 7218262 w 14439899"/>
+              <a:gd name="connsiteY8" fmla="*/ 1213576 h 1215958"/>
+              <a:gd name="connsiteX9" fmla="*/ 7949305 w 14439899"/>
+              <a:gd name="connsiteY9" fmla="*/ 1215958 h 1215958"/>
+              <a:gd name="connsiteX10" fmla="*/ 7949305 w 14439899"/>
+              <a:gd name="connsiteY10" fmla="*/ 1215958 h 1215958"/>
+              <a:gd name="connsiteX11" fmla="*/ 6463406 w 14439899"/>
+              <a:gd name="connsiteY11" fmla="*/ 1215958 h 1215958"/>
+              <a:gd name="connsiteX12" fmla="*/ 7218262 w 14439899"/>
+              <a:gd name="connsiteY12" fmla="*/ 1213576 h 1215958"/>
+              <a:gd name="connsiteX0" fmla="*/ 0 w 14439899"/>
+              <a:gd name="connsiteY0" fmla="*/ 1215958 h 1215958"/>
+              <a:gd name="connsiteX1" fmla="*/ 6463406 w 14439899"/>
+              <a:gd name="connsiteY1" fmla="*/ 1215958 h 1215958"/>
+              <a:gd name="connsiteX2" fmla="*/ 7220643 w 14439899"/>
+              <a:gd name="connsiteY2" fmla="*/ 552149 h 1215958"/>
+              <a:gd name="connsiteX3" fmla="*/ 7949305 w 14439899"/>
+              <a:gd name="connsiteY3" fmla="*/ 1215958 h 1215958"/>
+              <a:gd name="connsiteX4" fmla="*/ 14439899 w 14439899"/>
+              <a:gd name="connsiteY4" fmla="*/ 1215958 h 1215958"/>
+              <a:gd name="connsiteX5" fmla="*/ 14439899 w 14439899"/>
+              <a:gd name="connsiteY5" fmla="*/ 0 h 1215958"/>
+              <a:gd name="connsiteX6" fmla="*/ 0 w 14439899"/>
+              <a:gd name="connsiteY6" fmla="*/ 0 h 1215958"/>
+              <a:gd name="connsiteX7" fmla="*/ 0 w 14439899"/>
+              <a:gd name="connsiteY7" fmla="*/ 1215958 h 1215958"/>
+              <a:gd name="connsiteX8" fmla="*/ 7218262 w 14439899"/>
+              <a:gd name="connsiteY8" fmla="*/ 1213576 h 1215958"/>
+              <a:gd name="connsiteX9" fmla="*/ 7949305 w 14439899"/>
+              <a:gd name="connsiteY9" fmla="*/ 1215958 h 1215958"/>
+              <a:gd name="connsiteX10" fmla="*/ 7949305 w 14439899"/>
+              <a:gd name="connsiteY10" fmla="*/ 1215958 h 1215958"/>
+              <a:gd name="connsiteX11" fmla="*/ 6463406 w 14439899"/>
+              <a:gd name="connsiteY11" fmla="*/ 1215958 h 1215958"/>
+              <a:gd name="connsiteX12" fmla="*/ 7218262 w 14439899"/>
+              <a:gd name="connsiteY12" fmla="*/ 1213576 h 1215958"/>
+              <a:gd name="connsiteX0" fmla="*/ 0 w 14439899"/>
+              <a:gd name="connsiteY0" fmla="*/ 1215958 h 1215958"/>
+              <a:gd name="connsiteX1" fmla="*/ 6463406 w 14439899"/>
+              <a:gd name="connsiteY1" fmla="*/ 1215958 h 1215958"/>
+              <a:gd name="connsiteX2" fmla="*/ 7234930 w 14439899"/>
+              <a:gd name="connsiteY2" fmla="*/ 623587 h 1215958"/>
+              <a:gd name="connsiteX3" fmla="*/ 7949305 w 14439899"/>
+              <a:gd name="connsiteY3" fmla="*/ 1215958 h 1215958"/>
+              <a:gd name="connsiteX4" fmla="*/ 14439899 w 14439899"/>
+              <a:gd name="connsiteY4" fmla="*/ 1215958 h 1215958"/>
+              <a:gd name="connsiteX5" fmla="*/ 14439899 w 14439899"/>
+              <a:gd name="connsiteY5" fmla="*/ 0 h 1215958"/>
+              <a:gd name="connsiteX6" fmla="*/ 0 w 14439899"/>
+              <a:gd name="connsiteY6" fmla="*/ 0 h 1215958"/>
+              <a:gd name="connsiteX7" fmla="*/ 0 w 14439899"/>
+              <a:gd name="connsiteY7" fmla="*/ 1215958 h 1215958"/>
+              <a:gd name="connsiteX8" fmla="*/ 7218262 w 14439899"/>
+              <a:gd name="connsiteY8" fmla="*/ 1213576 h 1215958"/>
+              <a:gd name="connsiteX9" fmla="*/ 7949305 w 14439899"/>
+              <a:gd name="connsiteY9" fmla="*/ 1215958 h 1215958"/>
+              <a:gd name="connsiteX10" fmla="*/ 7949305 w 14439899"/>
+              <a:gd name="connsiteY10" fmla="*/ 1215958 h 1215958"/>
+              <a:gd name="connsiteX11" fmla="*/ 6463406 w 14439899"/>
+              <a:gd name="connsiteY11" fmla="*/ 1215958 h 1215958"/>
+              <a:gd name="connsiteX12" fmla="*/ 7218262 w 14439899"/>
+              <a:gd name="connsiteY12" fmla="*/ 1213576 h 1215958"/>
+              <a:gd name="connsiteX0" fmla="*/ 0 w 14439899"/>
+              <a:gd name="connsiteY0" fmla="*/ 1215958 h 1215958"/>
+              <a:gd name="connsiteX1" fmla="*/ 6463406 w 14439899"/>
+              <a:gd name="connsiteY1" fmla="*/ 1215958 h 1215958"/>
+              <a:gd name="connsiteX2" fmla="*/ 7234930 w 14439899"/>
+              <a:gd name="connsiteY2" fmla="*/ 623587 h 1215958"/>
+              <a:gd name="connsiteX3" fmla="*/ 7949305 w 14439899"/>
+              <a:gd name="connsiteY3" fmla="*/ 1215958 h 1215958"/>
+              <a:gd name="connsiteX4" fmla="*/ 14439899 w 14439899"/>
+              <a:gd name="connsiteY4" fmla="*/ 1215958 h 1215958"/>
+              <a:gd name="connsiteX5" fmla="*/ 14439899 w 14439899"/>
+              <a:gd name="connsiteY5" fmla="*/ 0 h 1215958"/>
+              <a:gd name="connsiteX6" fmla="*/ 0 w 14439899"/>
+              <a:gd name="connsiteY6" fmla="*/ 0 h 1215958"/>
+              <a:gd name="connsiteX7" fmla="*/ 0 w 14439899"/>
+              <a:gd name="connsiteY7" fmla="*/ 1215958 h 1215958"/>
+              <a:gd name="connsiteX8" fmla="*/ 7218262 w 14439899"/>
+              <a:gd name="connsiteY8" fmla="*/ 1213576 h 1215958"/>
+              <a:gd name="connsiteX9" fmla="*/ 7949305 w 14439899"/>
+              <a:gd name="connsiteY9" fmla="*/ 1215958 h 1215958"/>
+              <a:gd name="connsiteX10" fmla="*/ 7949305 w 14439899"/>
+              <a:gd name="connsiteY10" fmla="*/ 1215958 h 1215958"/>
+              <a:gd name="connsiteX11" fmla="*/ 6463406 w 14439899"/>
+              <a:gd name="connsiteY11" fmla="*/ 1215958 h 1215958"/>
+              <a:gd name="connsiteX12" fmla="*/ 7218262 w 14439899"/>
+              <a:gd name="connsiteY12" fmla="*/ 1213576 h 1215958"/>
+              <a:gd name="connsiteX0" fmla="*/ 0 w 14439899"/>
+              <a:gd name="connsiteY0" fmla="*/ 1215958 h 1215958"/>
+              <a:gd name="connsiteX1" fmla="*/ 6463406 w 14439899"/>
+              <a:gd name="connsiteY1" fmla="*/ 1215958 h 1215958"/>
+              <a:gd name="connsiteX2" fmla="*/ 7218261 w 14439899"/>
+              <a:gd name="connsiteY2" fmla="*/ 623587 h 1215958"/>
+              <a:gd name="connsiteX3" fmla="*/ 7949305 w 14439899"/>
+              <a:gd name="connsiteY3" fmla="*/ 1215958 h 1215958"/>
+              <a:gd name="connsiteX4" fmla="*/ 14439899 w 14439899"/>
+              <a:gd name="connsiteY4" fmla="*/ 1215958 h 1215958"/>
+              <a:gd name="connsiteX5" fmla="*/ 14439899 w 14439899"/>
+              <a:gd name="connsiteY5" fmla="*/ 0 h 1215958"/>
+              <a:gd name="connsiteX6" fmla="*/ 0 w 14439899"/>
+              <a:gd name="connsiteY6" fmla="*/ 0 h 1215958"/>
+              <a:gd name="connsiteX7" fmla="*/ 0 w 14439899"/>
+              <a:gd name="connsiteY7" fmla="*/ 1215958 h 1215958"/>
+              <a:gd name="connsiteX8" fmla="*/ 7218262 w 14439899"/>
+              <a:gd name="connsiteY8" fmla="*/ 1213576 h 1215958"/>
+              <a:gd name="connsiteX9" fmla="*/ 7949305 w 14439899"/>
+              <a:gd name="connsiteY9" fmla="*/ 1215958 h 1215958"/>
+              <a:gd name="connsiteX10" fmla="*/ 7949305 w 14439899"/>
+              <a:gd name="connsiteY10" fmla="*/ 1215958 h 1215958"/>
+              <a:gd name="connsiteX11" fmla="*/ 6463406 w 14439899"/>
+              <a:gd name="connsiteY11" fmla="*/ 1215958 h 1215958"/>
+              <a:gd name="connsiteX12" fmla="*/ 7218262 w 14439899"/>
+              <a:gd name="connsiteY12" fmla="*/ 1213576 h 1215958"/>
+            </a:gdLst>
+            <a:ahLst/>
+            <a:cxnLst>
+              <a:cxn ang="0">
+                <a:pos x="connsiteX0" y="connsiteY0"/>
+              </a:cxn>
+              <a:cxn ang="0">
+                <a:pos x="connsiteX1" y="connsiteY1"/>
+              </a:cxn>
+              <a:cxn ang="0">
+                <a:pos x="connsiteX2" y="connsiteY2"/>
+              </a:cxn>
+              <a:cxn ang="0">
+                <a:pos x="connsiteX3" y="connsiteY3"/>
+              </a:cxn>
+              <a:cxn ang="0">
+                <a:pos x="connsiteX4" y="connsiteY4"/>
+              </a:cxn>
+              <a:cxn ang="0">
+                <a:pos x="connsiteX5" y="connsiteY5"/>
+              </a:cxn>
+              <a:cxn ang="0">
+                <a:pos x="connsiteX6" y="connsiteY6"/>
+              </a:cxn>
+              <a:cxn ang="0">
+                <a:pos x="connsiteX7" y="connsiteY7"/>
+              </a:cxn>
+              <a:cxn ang="0">
+                <a:pos x="connsiteX8" y="connsiteY8"/>
+              </a:cxn>
+              <a:cxn ang="0">
+                <a:pos x="connsiteX9" y="connsiteY9"/>
+              </a:cxn>
+              <a:cxn ang="0">
+                <a:pos x="connsiteX10" y="connsiteY10"/>
+              </a:cxn>
+              <a:cxn ang="0">
+                <a:pos x="connsiteX11" y="connsiteY11"/>
+              </a:cxn>
+              <a:cxn ang="0">
+                <a:pos x="connsiteX12" y="connsiteY12"/>
+              </a:cxn>
+            </a:cxnLst>
+            <a:rect l="l" t="t" r="r" b="b"/>
+            <a:pathLst>
+              <a:path w="14439899" h="1215958">
+                <a:moveTo>
+                  <a:pt x="0" y="1215958"/>
+                </a:moveTo>
+                <a:lnTo>
+                  <a:pt x="6463406" y="1215958"/>
+                </a:lnTo>
+                <a:cubicBezTo>
+                  <a:pt x="6715818" y="994688"/>
+                  <a:pt x="6901555" y="630544"/>
+                  <a:pt x="7218261" y="623587"/>
+                </a:cubicBezTo>
+                <a:cubicBezTo>
+                  <a:pt x="7539729" y="625782"/>
+                  <a:pt x="7804049" y="1011356"/>
+                  <a:pt x="7949305" y="1215958"/>
+                </a:cubicBezTo>
+                <a:lnTo>
+                  <a:pt x="14439899" y="1215958"/>
+                </a:lnTo>
+                <a:lnTo>
+                  <a:pt x="14439899" y="0"/>
+                </a:lnTo>
+                <a:lnTo>
+                  <a:pt x="0" y="0"/>
+                </a:lnTo>
+                <a:lnTo>
+                  <a:pt x="0" y="1215958"/>
+                </a:lnTo>
+                <a:close/>
+                <a:moveTo>
+                  <a:pt x="7218262" y="1213576"/>
+                </a:moveTo>
+                <a:lnTo>
+                  <a:pt x="7949305" y="1215958"/>
+                </a:lnTo>
+                <a:lnTo>
+                  <a:pt x="7949305" y="1215958"/>
+                </a:lnTo>
+                <a:lnTo>
+                  <a:pt x="6463406" y="1215958"/>
+                </a:lnTo>
+                <a:lnTo>
+                  <a:pt x="7218262" y="1213576"/>
+                </a:lnTo>
+                <a:close/>
+              </a:path>
+            </a:pathLst>
+          </a:custGeom>
+          <a:solidFill>
+            <a:schemeClr val="bg1"/>
+          </a:solidFill>
+          <a:ln>
+            <a:noFill/>
+          </a:ln>
+        </p:spPr>
+        <p:style>
+          <a:lnRef idx="2">
+            <a:schemeClr val="accent1">
+              <a:shade val="50000"/>
+            </a:schemeClr>
+          </a:lnRef>
+          <a:fillRef idx="1">
+            <a:schemeClr val="accent1"/>
+          </a:fillRef>
+          <a:effectRef idx="0">
+            <a:schemeClr val="accent1"/>
+          </a:effectRef>
+          <a:fontRef idx="minor">
+            <a:schemeClr val="lt1"/>
+          </a:fontRef>
+        </p:style>
+        <p:txBody>
+          <a:bodyPr wrap="square" rtlCol="0" anchor="ctr">
+            <a:noAutofit/>
+          </a:bodyPr>
+          <a:lstStyle/>
+          <a:p>
+            <a:pPr algn="ctr"/>
+            <a:endParaRPr lang="en-US" dirty="0"/>
+          </a:p>
+        </p:txBody>
+      </p:sp>
+      <p:pic>
+        <p:nvPicPr>
+          <p:cNvPr id="26" name="Graphic 25" descr="Play with solid fill">
+            <a:hlinkClick r:id="rId2" action="ppaction://hlinksldjump"/>
+            <a:extLst>
+              <a:ext uri="{FF2B5EF4-FFF2-40B4-BE49-F238E27FC236}">
                 <a16:creationId xmlns:a16="http://schemas.microsoft.com/office/drawing/2014/main" id="{D620E97E-FB29-7AB8-A395-9DB35F3E3849}"/>
               </a:ext>
             </a:extLst>
@@ -12098,10 +13336,10 @@
       </p:pic>
       <p:pic>
         <p:nvPicPr>
-          <p:cNvPr id="7" name="Picture 6">
-            <a:extLst>
-              <a:ext uri="{FF2B5EF4-FFF2-40B4-BE49-F238E27FC236}">
-                <a16:creationId xmlns:a16="http://schemas.microsoft.com/office/drawing/2014/main" id="{7C385829-5AFF-BD10-4596-FE158C951D95}"/>
+          <p:cNvPr id="15" name="Picture 14" descr="A blue and black symbol&#10;&#10;Description automatically generated">
+            <a:extLst>
+              <a:ext uri="{FF2B5EF4-FFF2-40B4-BE49-F238E27FC236}">
+                <a16:creationId xmlns:a16="http://schemas.microsoft.com/office/drawing/2014/main" id="{717DFFFE-80D3-3EC2-9490-2E0016833F52}"/>
               </a:ext>
             </a:extLst>
           </p:cNvPr>
@@ -12111,67 +13349,7 @@
           <p:nvPr/>
         </p:nvPicPr>
         <p:blipFill>
-          <a:blip r:embed="rId27"/>
-          <a:stretch>
-            <a:fillRect/>
-          </a:stretch>
-        </p:blipFill>
-        <p:spPr>
-          <a:xfrm>
-            <a:off x="4737583" y="-4383680"/>
-            <a:ext cx="3619962" cy="4007500"/>
-          </a:xfrm>
-          <a:prstGeom prst="rect">
-            <a:avLst/>
-          </a:prstGeom>
-        </p:spPr>
-      </p:pic>
-      <p:pic>
-        <p:nvPicPr>
-          <p:cNvPr id="4" name="Picture 3">
-            <a:extLst>
-              <a:ext uri="{FF2B5EF4-FFF2-40B4-BE49-F238E27FC236}">
-                <a16:creationId xmlns:a16="http://schemas.microsoft.com/office/drawing/2014/main" id="{E0B09FC3-B180-E8DA-6198-6097EE32361C}"/>
-              </a:ext>
-            </a:extLst>
-          </p:cNvPr>
-          <p:cNvPicPr>
-            <a:picLocks noChangeAspect="1"/>
-          </p:cNvPicPr>
-          <p:nvPr/>
-        </p:nvPicPr>
-        <p:blipFill>
-          <a:blip r:embed="rId28"/>
-          <a:stretch>
-            <a:fillRect/>
-          </a:stretch>
-        </p:blipFill>
-        <p:spPr>
-          <a:xfrm>
-            <a:off x="5361725" y="1699173"/>
-            <a:ext cx="1637880" cy="1637880"/>
-          </a:xfrm>
-          <a:prstGeom prst="rect">
-            <a:avLst/>
-          </a:prstGeom>
-        </p:spPr>
-      </p:pic>
-      <p:pic>
-        <p:nvPicPr>
-          <p:cNvPr id="9" name="Picture 8" descr="A blue square with white letters&#10;&#10;Description automatically generated">
-            <a:extLst>
-              <a:ext uri="{FF2B5EF4-FFF2-40B4-BE49-F238E27FC236}">
-                <a16:creationId xmlns:a16="http://schemas.microsoft.com/office/drawing/2014/main" id="{E210F85D-CD35-997F-A935-2B23185ABD45}"/>
-              </a:ext>
-            </a:extLst>
-          </p:cNvPr>
-          <p:cNvPicPr>
-            <a:picLocks noChangeAspect="1"/>
-          </p:cNvPicPr>
-          <p:nvPr/>
-        </p:nvPicPr>
-        <p:blipFill>
-          <a:blip r:embed="rId29">
+          <a:blip r:embed="rId27">
             <a:extLst>
               <a:ext uri="{28A0092B-C50C-407E-A947-70E740481C1C}">
                 <a14:useLocalDpi xmlns:a14="http://schemas.microsoft.com/office/drawing/2010/main" val="0"/>
@@ -12184,79 +13362,7 @@
         </p:blipFill>
         <p:spPr>
           <a:xfrm>
-            <a:off x="7493458" y="1699173"/>
-            <a:ext cx="1637880" cy="1637880"/>
-          </a:xfrm>
-          <a:prstGeom prst="rect">
-            <a:avLst/>
-          </a:prstGeom>
-        </p:spPr>
-      </p:pic>
-      <p:pic>
-        <p:nvPicPr>
-          <p:cNvPr id="13" name="Picture 12" descr="A black circle with white text&#10;&#10;Description automatically generated">
-            <a:extLst>
-              <a:ext uri="{FF2B5EF4-FFF2-40B4-BE49-F238E27FC236}">
-                <a16:creationId xmlns:a16="http://schemas.microsoft.com/office/drawing/2014/main" id="{0A5B2F1F-1096-88C2-8465-AF3A0A1F2F09}"/>
-              </a:ext>
-            </a:extLst>
-          </p:cNvPr>
-          <p:cNvPicPr>
-            <a:picLocks noChangeAspect="1"/>
-          </p:cNvPicPr>
-          <p:nvPr/>
-        </p:nvPicPr>
-        <p:blipFill>
-          <a:blip r:embed="rId30">
-            <a:extLst>
-              <a:ext uri="{28A0092B-C50C-407E-A947-70E740481C1C}">
-                <a14:useLocalDpi xmlns:a14="http://schemas.microsoft.com/office/drawing/2010/main" val="0"/>
-              </a:ext>
-            </a:extLst>
-          </a:blip>
-          <a:stretch>
-            <a:fillRect/>
-          </a:stretch>
-        </p:blipFill>
-        <p:spPr>
-          <a:xfrm>
-            <a:off x="7538605" y="3827697"/>
-            <a:ext cx="1637880" cy="1637880"/>
-          </a:xfrm>
-          <a:prstGeom prst="rect">
-            <a:avLst/>
-          </a:prstGeom>
-        </p:spPr>
-      </p:pic>
-      <p:pic>
-        <p:nvPicPr>
-          <p:cNvPr id="15" name="Picture 14" descr="A blue and black symbol&#10;&#10;Description automatically generated">
-            <a:extLst>
-              <a:ext uri="{FF2B5EF4-FFF2-40B4-BE49-F238E27FC236}">
-                <a16:creationId xmlns:a16="http://schemas.microsoft.com/office/drawing/2014/main" id="{717DFFFE-80D3-3EC2-9490-2E0016833F52}"/>
-              </a:ext>
-            </a:extLst>
-          </p:cNvPr>
-          <p:cNvPicPr>
-            <a:picLocks noChangeAspect="1"/>
-          </p:cNvPicPr>
-          <p:nvPr/>
-        </p:nvPicPr>
-        <p:blipFill>
-          <a:blip r:embed="rId31">
-            <a:extLst>
-              <a:ext uri="{28A0092B-C50C-407E-A947-70E740481C1C}">
-                <a14:useLocalDpi xmlns:a14="http://schemas.microsoft.com/office/drawing/2010/main" val="0"/>
-              </a:ext>
-            </a:extLst>
-          </a:blip>
-          <a:stretch>
-            <a:fillRect/>
-          </a:stretch>
-        </p:blipFill>
-        <p:spPr>
-          <a:xfrm>
-            <a:off x="9625191" y="1699173"/>
+            <a:off x="7774539" y="1665256"/>
             <a:ext cx="1801518" cy="1637880"/>
           </a:xfrm>
           <a:prstGeom prst="rect">
@@ -12279,7 +13385,7 @@
           <p:nvPr/>
         </p:nvPicPr>
         <p:blipFill>
-          <a:blip r:embed="rId32">
+          <a:blip r:embed="rId28">
             <a:extLst>
               <a:ext uri="{28A0092B-C50C-407E-A947-70E740481C1C}">
                 <a14:useLocalDpi xmlns:a14="http://schemas.microsoft.com/office/drawing/2010/main" val="0"/>
@@ -12315,7 +13421,7 @@
           <p:nvPr/>
         </p:nvPicPr>
         <p:blipFill>
-          <a:blip r:embed="rId33">
+          <a:blip r:embed="rId29">
             <a:extLst>
               <a:ext uri="{28A0092B-C50C-407E-A947-70E740481C1C}">
                 <a14:useLocalDpi xmlns:a14="http://schemas.microsoft.com/office/drawing/2010/main" val="0"/>
@@ -12328,7 +13434,7 @@
         </p:blipFill>
         <p:spPr>
           <a:xfrm>
-            <a:off x="1949727" y="1651605"/>
+            <a:off x="3534490" y="1651605"/>
             <a:ext cx="1637880" cy="1637880"/>
           </a:xfrm>
           <a:prstGeom prst="rect">
@@ -12351,7 +13457,7 @@
           <p:nvPr/>
         </p:nvPicPr>
         <p:blipFill>
-          <a:blip r:embed="rId34">
+          <a:blip r:embed="rId30">
             <a:extLst>
               <a:ext uri="{28A0092B-C50C-407E-A947-70E740481C1C}">
                 <a14:useLocalDpi xmlns:a14="http://schemas.microsoft.com/office/drawing/2010/main" val="0"/>
@@ -12364,7 +13470,7 @@
         </p:blipFill>
         <p:spPr>
           <a:xfrm>
-            <a:off x="3878132" y="1651605"/>
+            <a:off x="5966730" y="1651605"/>
             <a:ext cx="1161667" cy="1638919"/>
           </a:xfrm>
           <a:prstGeom prst="rect">
@@ -12374,49 +13480,68 @@
       </p:pic>
       <p:pic>
         <p:nvPicPr>
-          <p:cNvPr id="1026" name="Picture 2" descr="postman&quot; Icon - Download for free – Iconduck">
-            <a:extLst>
-              <a:ext uri="{FF2B5EF4-FFF2-40B4-BE49-F238E27FC236}">
-                <a16:creationId xmlns:a16="http://schemas.microsoft.com/office/drawing/2014/main" id="{D154734F-5397-D52A-50A7-3817A740BB89}"/>
+          <p:cNvPr id="6" name="Picture 5" descr="A green hexagon with grey letters&#10;&#10;Description automatically generated">
+            <a:extLst>
+              <a:ext uri="{FF2B5EF4-FFF2-40B4-BE49-F238E27FC236}">
+                <a16:creationId xmlns:a16="http://schemas.microsoft.com/office/drawing/2014/main" id="{CDD03514-0D2C-4786-E031-28C6FB2C08AA}"/>
               </a:ext>
             </a:extLst>
           </p:cNvPr>
           <p:cNvPicPr>
-            <a:picLocks noChangeAspect="1" noChangeArrowheads="1"/>
+            <a:picLocks noChangeAspect="1"/>
           </p:cNvPicPr>
           <p:nvPr/>
         </p:nvPicPr>
         <p:blipFill>
-          <a:blip r:embed="rId35">
+          <a:blip r:embed="rId31">
             <a:extLst>
               <a:ext uri="{28A0092B-C50C-407E-A947-70E740481C1C}">
                 <a14:useLocalDpi xmlns:a14="http://schemas.microsoft.com/office/drawing/2010/main" val="0"/>
               </a:ext>
             </a:extLst>
           </a:blip>
-          <a:srcRect/>
           <a:stretch>
             <a:fillRect/>
           </a:stretch>
         </p:blipFill>
-        <p:spPr bwMode="auto">
+        <p:spPr>
           <a:xfrm>
-            <a:off x="5677604" y="3801319"/>
-            <a:ext cx="1635062" cy="1684409"/>
+            <a:off x="5775939" y="3840445"/>
+            <a:ext cx="1543247" cy="1543247"/>
           </a:xfrm>
           <a:prstGeom prst="rect">
             <a:avLst/>
           </a:prstGeom>
-          <a:noFill/>
-          <a:extLst>
-            <a:ext uri="{909E8E84-426E-40DD-AFC4-6F175D3DCCD1}">
-              <a14:hiddenFill xmlns:a14="http://schemas.microsoft.com/office/drawing/2010/main">
-                <a:solidFill>
-                  <a:srgbClr val="FFFFFF"/>
-                </a:solidFill>
-              </a14:hiddenFill>
-            </a:ext>
-          </a:extLst>
+        </p:spPr>
+      </p:pic>
+      <p:pic>
+        <p:nvPicPr>
+          <p:cNvPr id="5" name="Picture 4" descr="PostgreSQL - Wikipedia">
+            <a:extLst>
+              <a:ext uri="{FF2B5EF4-FFF2-40B4-BE49-F238E27FC236}">
+                <a16:creationId xmlns:a16="http://schemas.microsoft.com/office/drawing/2014/main" id="{7B32648B-5F9F-4D29-0EF7-1C283ED8162D}"/>
+              </a:ext>
+            </a:extLst>
+          </p:cNvPr>
+          <p:cNvPicPr>
+            <a:picLocks noChangeAspect="1"/>
+          </p:cNvPicPr>
+          <p:nvPr/>
+        </p:nvPicPr>
+        <p:blipFill>
+          <a:blip r:embed="rId32"/>
+          <a:stretch>
+            <a:fillRect/>
+          </a:stretch>
+        </p:blipFill>
+        <p:spPr>
+          <a:xfrm>
+            <a:off x="7841273" y="3840445"/>
+            <a:ext cx="1668050" cy="1692288"/>
+          </a:xfrm>
+          <a:prstGeom prst="rect">
+            <a:avLst/>
+          </a:prstGeom>
         </p:spPr>
       </p:pic>
     </p:spTree>
@@ -12444,7 +13569,7 @@
 </p:sld>
 </file>
 
-<file path=ppt/slides/slide6.xml><?xml version="1.0" encoding="utf-8"?>
+<file path=ppt/slides/slide7.xml><?xml version="1.0" encoding="utf-8"?>
 <p:sld xmlns:a="http://schemas.openxmlformats.org/drawingml/2006/main" xmlns:r="http://schemas.openxmlformats.org/officeDocument/2006/relationships" xmlns:p="http://schemas.openxmlformats.org/presentationml/2006/main">
   <p:cSld>
     <p:bg>
@@ -13826,7 +14951,7 @@
         <p:spPr>
           <a:xfrm>
             <a:off x="2479552" y="2779407"/>
-            <a:ext cx="8136024" cy="830997"/>
+            <a:ext cx="8136024" cy="1569660"/>
           </a:xfrm>
           <a:prstGeom prst="rect">
             <a:avLst/>
@@ -13834,11 +14959,12 @@
           <a:noFill/>
         </p:spPr>
         <p:txBody>
-          <a:bodyPr wrap="square" rtlCol="0">
+          <a:bodyPr wrap="square" lIns="91440" tIns="45720" rIns="91440" bIns="45720" rtlCol="0" anchor="t">
             <a:spAutoFit/>
           </a:bodyPr>
           <a:lstStyle/>
           <a:p>
+            <a:pPr algn="ctr"/>
             <a:r>
               <a:rPr lang="bg-BG" sz="4800" dirty="0">
                 <a:solidFill>
@@ -13849,7 +14975,21 @@
               </a:rPr>
               <a:t>Благодарим за вниманието!</a:t>
             </a:r>
-            <a:endParaRPr lang="en-US" sz="4800" dirty="0">
+            <a:endParaRPr lang="en-US"/>
+          </a:p>
+          <a:p>
+            <a:pPr algn="ctr"/>
+            <a:r>
+              <a:rPr lang="bg-BG" sz="4800" dirty="0">
+                <a:solidFill>
+                  <a:srgbClr val="F4EEFF"/>
+                </a:solidFill>
+                <a:latin typeface="Helvetica"/>
+                <a:cs typeface="Helvetica"/>
+              </a:rPr>
+              <a:t>Да преминем към сайта!</a:t>
+            </a:r>
+            <a:endParaRPr lang="bg-BG" sz="4800" dirty="0">
               <a:solidFill>
                 <a:srgbClr val="F4EEFF"/>
               </a:solidFill>
@@ -13893,36 +15033,6 @@
           <a:xfrm>
             <a:off x="279435" y="947173"/>
             <a:ext cx="772780" cy="765022"/>
-          </a:xfrm>
-          <a:prstGeom prst="rect">
-            <a:avLst/>
-          </a:prstGeom>
-        </p:spPr>
-      </p:pic>
-      <p:pic>
-        <p:nvPicPr>
-          <p:cNvPr id="2" name="Picture 1">
-            <a:extLst>
-              <a:ext uri="{FF2B5EF4-FFF2-40B4-BE49-F238E27FC236}">
-                <a16:creationId xmlns:a16="http://schemas.microsoft.com/office/drawing/2014/main" id="{2002C6BD-5858-8BD9-74B0-F5EB0D0CF017}"/>
-              </a:ext>
-            </a:extLst>
-          </p:cNvPr>
-          <p:cNvPicPr>
-            <a:picLocks noChangeAspect="1"/>
-          </p:cNvPicPr>
-          <p:nvPr/>
-        </p:nvPicPr>
-        <p:blipFill>
-          <a:blip r:embed="rId27"/>
-          <a:stretch>
-            <a:fillRect/>
-          </a:stretch>
-        </p:blipFill>
-        <p:spPr>
-          <a:xfrm>
-            <a:off x="4737583" y="-4383680"/>
-            <a:ext cx="3619962" cy="4007500"/>
           </a:xfrm>
           <a:prstGeom prst="rect">
             <a:avLst/>
@@ -14545,21 +15655,6 @@
 </file>
 
 <file path=customXml/item1.xml><?xml version="1.0" encoding="utf-8"?>
-<?mso-contentType ?>
-<FormTemplates xmlns="http://schemas.microsoft.com/sharepoint/v3/contenttype/forms">
-  <Display>DocumentLibraryForm</Display>
-  <Edit>DocumentLibraryForm</Edit>
-  <New>DocumentLibraryForm</New>
-</FormTemplates>
-</file>
-
-<file path=customXml/item2.xml><?xml version="1.0" encoding="utf-8"?>
-<p:properties xmlns:p="http://schemas.microsoft.com/office/2006/metadata/properties" xmlns:xsi="http://www.w3.org/2001/XMLSchema-instance" xmlns:pc="http://schemas.microsoft.com/office/infopath/2007/PartnerControls">
-  <documentManagement/>
-</p:properties>
-</file>
-
-<file path=customXml/item3.xml><?xml version="1.0" encoding="utf-8"?>
 <ct:contentTypeSchema xmlns:ct="http://schemas.microsoft.com/office/2006/metadata/contentType" xmlns:ma="http://schemas.microsoft.com/office/2006/metadata/properties/metaAttributes" ct:_="" ma:_="" ma:contentTypeName="Документ" ma:contentTypeID="0x010100C572350D06CA4648BEB4D0A7AC480A77" ma:contentTypeVersion="12" ma:contentTypeDescription="Създаване на нов документ" ma:contentTypeScope="" ma:versionID="aa0be7debaa3b23b924d3f73c12315ce">
   <xsd:schema xmlns:xsd="http://www.w3.org/2001/XMLSchema" xmlns:xs="http://www.w3.org/2001/XMLSchema" xmlns:p="http://schemas.microsoft.com/office/2006/metadata/properties" xmlns:ns3="81b0186a-5304-4fc4-b7ba-08fd66ef1995" xmlns:ns4="c2ea8659-bc04-4a8d-85a8-e3c83ebd3738" targetNamespace="http://schemas.microsoft.com/office/2006/metadata/properties" ma:root="true" ma:fieldsID="2538da02d3bdf0b4d710a3235e3af648" ns3:_="" ns4:_="">
     <xsd:import namespace="81b0186a-5304-4fc4-b7ba-08fd66ef1995"/>
@@ -14774,10 +15869,36 @@
 </ct:contentTypeSchema>
 </file>
 
+<file path=customXml/item2.xml><?xml version="1.0" encoding="utf-8"?>
+<p:properties xmlns:p="http://schemas.microsoft.com/office/2006/metadata/properties" xmlns:xsi="http://www.w3.org/2001/XMLSchema-instance" xmlns:pc="http://schemas.microsoft.com/office/infopath/2007/PartnerControls">
+  <documentManagement/>
+</p:properties>
+</file>
+
+<file path=customXml/item3.xml><?xml version="1.0" encoding="utf-8"?>
+<?mso-contentType ?>
+<FormTemplates xmlns="http://schemas.microsoft.com/sharepoint/v3/contenttype/forms">
+  <Display>DocumentLibraryForm</Display>
+  <Edit>DocumentLibraryForm</Edit>
+  <New>DocumentLibraryForm</New>
+</FormTemplates>
+</file>
+
 <file path=customXml/itemProps1.xml><?xml version="1.0" encoding="utf-8"?>
-<ds:datastoreItem xmlns:ds="http://schemas.openxmlformats.org/officeDocument/2006/customXml" ds:itemID="{0F8E85DB-CC93-42B5-B825-76D9AB0141F6}">
+<ds:datastoreItem xmlns:ds="http://schemas.openxmlformats.org/officeDocument/2006/customXml" ds:itemID="{5C3253EF-56F9-4F0A-9CBD-ED7070F304B1}">
   <ds:schemaRefs>
-    <ds:schemaRef ds:uri="http://schemas.microsoft.com/sharepoint/v3/contenttype/forms"/>
+    <ds:schemaRef ds:uri="http://schemas.microsoft.com/office/2006/metadata/contentType"/>
+    <ds:schemaRef ds:uri="http://schemas.microsoft.com/office/2006/metadata/properties/metaAttributes"/>
+    <ds:schemaRef ds:uri="http://www.w3.org/2001/XMLSchema"/>
+    <ds:schemaRef ds:uri="http://schemas.microsoft.com/office/2006/metadata/properties"/>
+    <ds:schemaRef ds:uri="81b0186a-5304-4fc4-b7ba-08fd66ef1995"/>
+    <ds:schemaRef ds:uri="c2ea8659-bc04-4a8d-85a8-e3c83ebd3738"/>
+    <ds:schemaRef ds:uri="http://schemas.microsoft.com/office/2006/documentManagement/types"/>
+    <ds:schemaRef ds:uri="http://schemas.microsoft.com/office/infopath/2007/PartnerControls"/>
+    <ds:schemaRef ds:uri="http://schemas.openxmlformats.org/package/2006/metadata/core-properties"/>
+    <ds:schemaRef ds:uri="http://purl.org/dc/elements/1.1/"/>
+    <ds:schemaRef ds:uri="http://purl.org/dc/terms/"/>
+    <ds:schemaRef ds:uri="http://schemas.microsoft.com/internal/obd"/>
   </ds:schemaRefs>
 </ds:datastoreItem>
 </file>
@@ -14800,20 +15921,9 @@
 </file>
 
 <file path=customXml/itemProps3.xml><?xml version="1.0" encoding="utf-8"?>
-<ds:datastoreItem xmlns:ds="http://schemas.openxmlformats.org/officeDocument/2006/customXml" ds:itemID="{5C3253EF-56F9-4F0A-9CBD-ED7070F304B1}">
+<ds:datastoreItem xmlns:ds="http://schemas.openxmlformats.org/officeDocument/2006/customXml" ds:itemID="{0F8E85DB-CC93-42B5-B825-76D9AB0141F6}">
   <ds:schemaRefs>
-    <ds:schemaRef ds:uri="http://schemas.microsoft.com/office/2006/metadata/contentType"/>
-    <ds:schemaRef ds:uri="http://schemas.microsoft.com/office/2006/metadata/properties/metaAttributes"/>
-    <ds:schemaRef ds:uri="http://www.w3.org/2001/XMLSchema"/>
-    <ds:schemaRef ds:uri="http://schemas.microsoft.com/office/2006/metadata/properties"/>
-    <ds:schemaRef ds:uri="81b0186a-5304-4fc4-b7ba-08fd66ef1995"/>
-    <ds:schemaRef ds:uri="c2ea8659-bc04-4a8d-85a8-e3c83ebd3738"/>
-    <ds:schemaRef ds:uri="http://schemas.microsoft.com/office/2006/documentManagement/types"/>
-    <ds:schemaRef ds:uri="http://schemas.microsoft.com/office/infopath/2007/PartnerControls"/>
-    <ds:schemaRef ds:uri="http://schemas.openxmlformats.org/package/2006/metadata/core-properties"/>
-    <ds:schemaRef ds:uri="http://purl.org/dc/elements/1.1/"/>
-    <ds:schemaRef ds:uri="http://purl.org/dc/terms/"/>
-    <ds:schemaRef ds:uri="http://schemas.microsoft.com/internal/obd"/>
+    <ds:schemaRef ds:uri="http://schemas.microsoft.com/sharepoint/v3/contenttype/forms"/>
   </ds:schemaRefs>
 </ds:datastoreItem>
 </file>